--- a/rtl/cpu_v4/doc/Qupls4 Vectors.pptx
+++ b/rtl/cpu_v4/doc/Qupls4 Vectors.pptx
@@ -9,6 +9,8 @@
     <p:sldId id="257" r:id="rId3"/>
     <p:sldId id="256" r:id="rId4"/>
     <p:sldId id="258" r:id="rId5"/>
+    <p:sldId id="260" r:id="rId6"/>
+    <p:sldId id="261" r:id="rId7"/>
   </p:sldIdLst>
   <p:sldSz cx="12192000" cy="6858000"/>
   <p:notesSz cx="6858000" cy="9144000"/>
@@ -107,13 +109,18 @@
       </a:defRPr>
     </a:lvl9pPr>
   </p:defaultTextStyle>
+  <p:extLst>
+    <p:ext uri="{EFAFB233-063F-42B5-8137-9DF3F51BA10A}">
+      <p15:sldGuideLst xmlns:p15="http://schemas.microsoft.com/office/powerpoint/2012/main"/>
+    </p:ext>
+  </p:extLst>
 </p:presentation>
 </file>
 
 <file path=ppt/revisionInfo.xml><?xml version="1.0" encoding="utf-8"?>
 <p1510:revInfo xmlns:a="http://schemas.openxmlformats.org/drawingml/2006/main" xmlns:r="http://schemas.openxmlformats.org/officeDocument/2006/relationships" xmlns:p1510="http://schemas.microsoft.com/office/powerpoint/2015/10/main">
   <p1510:revLst>
-    <p1510:client id="{0F43AC41-22A3-4286-97C6-231DED4A0925}" v="10" dt="2025-11-20T05:56:29.879"/>
+    <p1510:client id="{0F43AC41-22A3-4286-97C6-231DED4A0925}" v="31" dt="2025-11-23T00:11:33.497"/>
   </p1510:revLst>
 </p1510:revInfo>
 </file>
@@ -123,7 +130,7 @@
   <pc:docChgLst>
     <pc:chgData name="Robert Finch" userId="360118edfabb5ba6" providerId="LiveId" clId="{940D50E2-FEDC-434C-83CF-A13052851249}"/>
     <pc:docChg chg="custSel addSld modSld sldOrd">
-      <pc:chgData name="Robert Finch" userId="360118edfabb5ba6" providerId="LiveId" clId="{940D50E2-FEDC-434C-83CF-A13052851249}" dt="2025-11-20T06:01:57.812" v="1745" actId="1076"/>
+      <pc:chgData name="Robert Finch" userId="360118edfabb5ba6" providerId="LiveId" clId="{940D50E2-FEDC-434C-83CF-A13052851249}" dt="2025-11-23T00:14:17.985" v="2401" actId="1076"/>
       <pc:docMkLst>
         <pc:docMk/>
       </pc:docMkLst>
@@ -139,30 +146,6 @@
             <pc:docMk/>
             <pc:sldMk cId="2679693265" sldId="256"/>
             <ac:spMk id="2" creationId="{ED101C8F-863B-8033-18EF-1FCE4676EBED}"/>
-          </ac:spMkLst>
-        </pc:spChg>
-        <pc:spChg chg="del mod">
-          <ac:chgData name="Robert Finch" userId="360118edfabb5ba6" providerId="LiveId" clId="{940D50E2-FEDC-434C-83CF-A13052851249}" dt="2025-11-20T05:53:42.754" v="1075" actId="21"/>
-          <ac:spMkLst>
-            <pc:docMk/>
-            <pc:sldMk cId="2679693265" sldId="256"/>
-            <ac:spMk id="4" creationId="{426AB46F-049D-7CC1-4A7D-7FD19DB20D20}"/>
-          </ac:spMkLst>
-        </pc:spChg>
-        <pc:spChg chg="del mod">
-          <ac:chgData name="Robert Finch" userId="360118edfabb5ba6" providerId="LiveId" clId="{940D50E2-FEDC-434C-83CF-A13052851249}" dt="2025-11-20T05:53:42.754" v="1075" actId="21"/>
-          <ac:spMkLst>
-            <pc:docMk/>
-            <pc:sldMk cId="2679693265" sldId="256"/>
-            <ac:spMk id="5" creationId="{8E4A2ECE-ADC6-3D99-CFC8-6F5B0418CF8D}"/>
-          </ac:spMkLst>
-        </pc:spChg>
-        <pc:spChg chg="add del mod">
-          <ac:chgData name="Robert Finch" userId="360118edfabb5ba6" providerId="LiveId" clId="{940D50E2-FEDC-434C-83CF-A13052851249}" dt="2025-11-20T05:50:57.522" v="970" actId="478"/>
-          <ac:spMkLst>
-            <pc:docMk/>
-            <pc:sldMk cId="2679693265" sldId="256"/>
-            <ac:spMk id="6" creationId="{CCF40173-6941-1604-AF8E-391B981E5ECB}"/>
           </ac:spMkLst>
         </pc:spChg>
         <pc:spChg chg="add mod">
@@ -283,6 +266,460 @@
           </ac:spMkLst>
         </pc:spChg>
       </pc:sldChg>
+      <pc:sldChg chg="addSp delSp modSp new mod">
+        <pc:chgData name="Robert Finch" userId="360118edfabb5ba6" providerId="LiveId" clId="{940D50E2-FEDC-434C-83CF-A13052851249}" dt="2025-11-23T00:08:39.689" v="2353" actId="1076"/>
+        <pc:sldMkLst>
+          <pc:docMk/>
+          <pc:sldMk cId="1699936056" sldId="260"/>
+        </pc:sldMkLst>
+        <pc:spChg chg="add del mod">
+          <ac:chgData name="Robert Finch" userId="360118edfabb5ba6" providerId="LiveId" clId="{940D50E2-FEDC-434C-83CF-A13052851249}" dt="2025-11-22T23:53:05.163" v="1749"/>
+          <ac:spMkLst>
+            <pc:docMk/>
+            <pc:sldMk cId="1699936056" sldId="260"/>
+            <ac:spMk id="2" creationId="{0B4B797D-514F-6E9D-4BAB-C9BA982072A5}"/>
+          </ac:spMkLst>
+        </pc:spChg>
+        <pc:spChg chg="add mod">
+          <ac:chgData name="Robert Finch" userId="360118edfabb5ba6" providerId="LiveId" clId="{940D50E2-FEDC-434C-83CF-A13052851249}" dt="2025-11-23T00:00:27.122" v="2151" actId="1076"/>
+          <ac:spMkLst>
+            <pc:docMk/>
+            <pc:sldMk cId="1699936056" sldId="260"/>
+            <ac:spMk id="3" creationId="{3D265019-C281-8999-45A5-098FC1725B6F}"/>
+          </ac:spMkLst>
+        </pc:spChg>
+        <pc:spChg chg="add mod">
+          <ac:chgData name="Robert Finch" userId="360118edfabb5ba6" providerId="LiveId" clId="{940D50E2-FEDC-434C-83CF-A13052851249}" dt="2025-11-23T00:00:27.122" v="2151" actId="1076"/>
+          <ac:spMkLst>
+            <pc:docMk/>
+            <pc:sldMk cId="1699936056" sldId="260"/>
+            <ac:spMk id="4" creationId="{DD916673-FDB8-7A84-B417-D04364704BF4}"/>
+          </ac:spMkLst>
+        </pc:spChg>
+        <pc:spChg chg="add mod">
+          <ac:chgData name="Robert Finch" userId="360118edfabb5ba6" providerId="LiveId" clId="{940D50E2-FEDC-434C-83CF-A13052851249}" dt="2025-11-23T00:06:35.070" v="2318" actId="1076"/>
+          <ac:spMkLst>
+            <pc:docMk/>
+            <pc:sldMk cId="1699936056" sldId="260"/>
+            <ac:spMk id="5" creationId="{2757B766-AEF6-CD93-675D-423CE228B11D}"/>
+          </ac:spMkLst>
+        </pc:spChg>
+        <pc:spChg chg="add mod">
+          <ac:chgData name="Robert Finch" userId="360118edfabb5ba6" providerId="LiveId" clId="{940D50E2-FEDC-434C-83CF-A13052851249}" dt="2025-11-23T00:06:35.070" v="2318" actId="1076"/>
+          <ac:spMkLst>
+            <pc:docMk/>
+            <pc:sldMk cId="1699936056" sldId="260"/>
+            <ac:spMk id="6" creationId="{C55D3D6E-A58F-55BF-7018-78DC564D216F}"/>
+          </ac:spMkLst>
+        </pc:spChg>
+        <pc:spChg chg="add mod">
+          <ac:chgData name="Robert Finch" userId="360118edfabb5ba6" providerId="LiveId" clId="{940D50E2-FEDC-434C-83CF-A13052851249}" dt="2025-11-23T00:00:27.122" v="2151" actId="1076"/>
+          <ac:spMkLst>
+            <pc:docMk/>
+            <pc:sldMk cId="1699936056" sldId="260"/>
+            <ac:spMk id="7" creationId="{BD923216-FAC7-9EEF-0724-0613BF2400CE}"/>
+          </ac:spMkLst>
+        </pc:spChg>
+        <pc:spChg chg="add mod">
+          <ac:chgData name="Robert Finch" userId="360118edfabb5ba6" providerId="LiveId" clId="{940D50E2-FEDC-434C-83CF-A13052851249}" dt="2025-11-23T00:06:35.070" v="2318" actId="1076"/>
+          <ac:spMkLst>
+            <pc:docMk/>
+            <pc:sldMk cId="1699936056" sldId="260"/>
+            <ac:spMk id="8" creationId="{BED041C7-9F8E-9054-7E08-B22CF44E59DB}"/>
+          </ac:spMkLst>
+        </pc:spChg>
+        <pc:spChg chg="add mod">
+          <ac:chgData name="Robert Finch" userId="360118edfabb5ba6" providerId="LiveId" clId="{940D50E2-FEDC-434C-83CF-A13052851249}" dt="2025-11-23T00:06:35.070" v="2318" actId="1076"/>
+          <ac:spMkLst>
+            <pc:docMk/>
+            <pc:sldMk cId="1699936056" sldId="260"/>
+            <ac:spMk id="9" creationId="{9741DF62-0D70-7627-73AB-87F0D8FE3550}"/>
+          </ac:spMkLst>
+        </pc:spChg>
+        <pc:spChg chg="add mod">
+          <ac:chgData name="Robert Finch" userId="360118edfabb5ba6" providerId="LiveId" clId="{940D50E2-FEDC-434C-83CF-A13052851249}" dt="2025-11-23T00:00:27.122" v="2151" actId="1076"/>
+          <ac:spMkLst>
+            <pc:docMk/>
+            <pc:sldMk cId="1699936056" sldId="260"/>
+            <ac:spMk id="10" creationId="{BB85FA3F-23E8-3C6F-BA77-F9BA246EC1CC}"/>
+          </ac:spMkLst>
+        </pc:spChg>
+        <pc:spChg chg="add mod">
+          <ac:chgData name="Robert Finch" userId="360118edfabb5ba6" providerId="LiveId" clId="{940D50E2-FEDC-434C-83CF-A13052851249}" dt="2025-11-23T00:04:54.251" v="2271" actId="1076"/>
+          <ac:spMkLst>
+            <pc:docMk/>
+            <pc:sldMk cId="1699936056" sldId="260"/>
+            <ac:spMk id="11" creationId="{282976CF-FBC8-584F-C4B3-1EAA6A6E70AA}"/>
+          </ac:spMkLst>
+        </pc:spChg>
+        <pc:spChg chg="add mod">
+          <ac:chgData name="Robert Finch" userId="360118edfabb5ba6" providerId="LiveId" clId="{940D50E2-FEDC-434C-83CF-A13052851249}" dt="2025-11-23T00:06:35.070" v="2318" actId="1076"/>
+          <ac:spMkLst>
+            <pc:docMk/>
+            <pc:sldMk cId="1699936056" sldId="260"/>
+            <ac:spMk id="12" creationId="{3ABF6D2B-FB99-1730-9B88-4650DFBF3AA6}"/>
+          </ac:spMkLst>
+        </pc:spChg>
+        <pc:spChg chg="add mod">
+          <ac:chgData name="Robert Finch" userId="360118edfabb5ba6" providerId="LiveId" clId="{940D50E2-FEDC-434C-83CF-A13052851249}" dt="2025-11-23T00:07:06.005" v="2330" actId="1076"/>
+          <ac:spMkLst>
+            <pc:docMk/>
+            <pc:sldMk cId="1699936056" sldId="260"/>
+            <ac:spMk id="24" creationId="{FBDD72F4-A4C1-D122-9163-CEEDCAC1B4EB}"/>
+          </ac:spMkLst>
+        </pc:spChg>
+        <pc:spChg chg="add mod">
+          <ac:chgData name="Robert Finch" userId="360118edfabb5ba6" providerId="LiveId" clId="{940D50E2-FEDC-434C-83CF-A13052851249}" dt="2025-11-22T23:57:32.664" v="1879"/>
+          <ac:spMkLst>
+            <pc:docMk/>
+            <pc:sldMk cId="1699936056" sldId="260"/>
+            <ac:spMk id="25" creationId="{F98F6278-E29C-D5D3-F526-9A6DB4620588}"/>
+          </ac:spMkLst>
+        </pc:spChg>
+        <pc:spChg chg="add mod">
+          <ac:chgData name="Robert Finch" userId="360118edfabb5ba6" providerId="LiveId" clId="{940D50E2-FEDC-434C-83CF-A13052851249}" dt="2025-11-23T00:04:45.450" v="2270" actId="20577"/>
+          <ac:spMkLst>
+            <pc:docMk/>
+            <pc:sldMk cId="1699936056" sldId="260"/>
+            <ac:spMk id="26" creationId="{D565F2F5-CACB-0E77-DF38-517CDC1F0CFD}"/>
+          </ac:spMkLst>
+        </pc:spChg>
+        <pc:spChg chg="add mod">
+          <ac:chgData name="Robert Finch" userId="360118edfabb5ba6" providerId="LiveId" clId="{940D50E2-FEDC-434C-83CF-A13052851249}" dt="2025-11-23T00:05:46.883" v="2299" actId="1076"/>
+          <ac:spMkLst>
+            <pc:docMk/>
+            <pc:sldMk cId="1699936056" sldId="260"/>
+            <ac:spMk id="27" creationId="{D3A0D9E6-887B-4F95-1AE7-4D1FFE331EFD}"/>
+          </ac:spMkLst>
+        </pc:spChg>
+        <pc:spChg chg="add mod">
+          <ac:chgData name="Robert Finch" userId="360118edfabb5ba6" providerId="LiveId" clId="{940D50E2-FEDC-434C-83CF-A13052851249}" dt="2025-11-23T00:00:47.018" v="2157" actId="14100"/>
+          <ac:spMkLst>
+            <pc:docMk/>
+            <pc:sldMk cId="1699936056" sldId="260"/>
+            <ac:spMk id="28" creationId="{7D381CFF-44AD-E915-FEBE-15D3AFC3E7ED}"/>
+          </ac:spMkLst>
+        </pc:spChg>
+        <pc:spChg chg="add mod">
+          <ac:chgData name="Robert Finch" userId="360118edfabb5ba6" providerId="LiveId" clId="{940D50E2-FEDC-434C-83CF-A13052851249}" dt="2025-11-23T00:06:35.070" v="2318" actId="1076"/>
+          <ac:spMkLst>
+            <pc:docMk/>
+            <pc:sldMk cId="1699936056" sldId="260"/>
+            <ac:spMk id="29" creationId="{81E016D3-3894-2272-05FD-8D511886BDEA}"/>
+          </ac:spMkLst>
+        </pc:spChg>
+        <pc:spChg chg="add mod">
+          <ac:chgData name="Robert Finch" userId="360118edfabb5ba6" providerId="LiveId" clId="{940D50E2-FEDC-434C-83CF-A13052851249}" dt="2025-11-23T00:06:35.070" v="2318" actId="1076"/>
+          <ac:spMkLst>
+            <pc:docMk/>
+            <pc:sldMk cId="1699936056" sldId="260"/>
+            <ac:spMk id="30" creationId="{2E1AFFA0-F39F-E833-2D64-E28B291201E4}"/>
+          </ac:spMkLst>
+        </pc:spChg>
+        <pc:spChg chg="add mod">
+          <ac:chgData name="Robert Finch" userId="360118edfabb5ba6" providerId="LiveId" clId="{940D50E2-FEDC-434C-83CF-A13052851249}" dt="2025-11-23T00:06:35.070" v="2318" actId="1076"/>
+          <ac:spMkLst>
+            <pc:docMk/>
+            <pc:sldMk cId="1699936056" sldId="260"/>
+            <ac:spMk id="33" creationId="{C377C748-A526-8E9A-182A-C94E7427C830}"/>
+          </ac:spMkLst>
+        </pc:spChg>
+        <pc:spChg chg="add mod">
+          <ac:chgData name="Robert Finch" userId="360118edfabb5ba6" providerId="LiveId" clId="{940D50E2-FEDC-434C-83CF-A13052851249}" dt="2025-11-23T00:06:35.070" v="2318" actId="1076"/>
+          <ac:spMkLst>
+            <pc:docMk/>
+            <pc:sldMk cId="1699936056" sldId="260"/>
+            <ac:spMk id="34" creationId="{14824767-6A07-34B2-6B81-4FD1584F8D8B}"/>
+          </ac:spMkLst>
+        </pc:spChg>
+        <pc:spChg chg="add mod">
+          <ac:chgData name="Robert Finch" userId="360118edfabb5ba6" providerId="LiveId" clId="{940D50E2-FEDC-434C-83CF-A13052851249}" dt="2025-11-23T00:06:10.127" v="2312" actId="1076"/>
+          <ac:spMkLst>
+            <pc:docMk/>
+            <pc:sldMk cId="1699936056" sldId="260"/>
+            <ac:spMk id="35" creationId="{B5976CF0-6FA8-16D2-82AE-2D5DA15C4412}"/>
+          </ac:spMkLst>
+        </pc:spChg>
+        <pc:spChg chg="add mod">
+          <ac:chgData name="Robert Finch" userId="360118edfabb5ba6" providerId="LiveId" clId="{940D50E2-FEDC-434C-83CF-A13052851249}" dt="2025-11-23T00:06:35.070" v="2318" actId="1076"/>
+          <ac:spMkLst>
+            <pc:docMk/>
+            <pc:sldMk cId="1699936056" sldId="260"/>
+            <ac:spMk id="36" creationId="{5FA934FC-967F-B561-79D6-B8A31842E792}"/>
+          </ac:spMkLst>
+        </pc:spChg>
+        <pc:spChg chg="add mod">
+          <ac:chgData name="Robert Finch" userId="360118edfabb5ba6" providerId="LiveId" clId="{940D50E2-FEDC-434C-83CF-A13052851249}" dt="2025-11-23T00:08:39.689" v="2353" actId="1076"/>
+          <ac:spMkLst>
+            <pc:docMk/>
+            <pc:sldMk cId="1699936056" sldId="260"/>
+            <ac:spMk id="38" creationId="{36F05E50-5922-AA95-CEA1-5C080B2F7C6D}"/>
+          </ac:spMkLst>
+        </pc:spChg>
+        <pc:graphicFrameChg chg="add mod">
+          <ac:chgData name="Robert Finch" userId="360118edfabb5ba6" providerId="LiveId" clId="{940D50E2-FEDC-434C-83CF-A13052851249}" dt="2025-11-23T00:08:22.195" v="2332" actId="1076"/>
+          <ac:graphicFrameMkLst>
+            <pc:docMk/>
+            <pc:sldMk cId="1699936056" sldId="260"/>
+            <ac:graphicFrameMk id="37" creationId="{3D2065E2-F90A-25C5-B3D3-15E1D3EBD26B}"/>
+          </ac:graphicFrameMkLst>
+        </pc:graphicFrameChg>
+        <pc:cxnChg chg="add mod">
+          <ac:chgData name="Robert Finch" userId="360118edfabb5ba6" providerId="LiveId" clId="{940D50E2-FEDC-434C-83CF-A13052851249}" dt="2025-11-23T00:04:54.251" v="2271" actId="1076"/>
+          <ac:cxnSpMkLst>
+            <pc:docMk/>
+            <pc:sldMk cId="1699936056" sldId="260"/>
+            <ac:cxnSpMk id="14" creationId="{2F8C095D-8DBB-878C-5D61-37A982937862}"/>
+          </ac:cxnSpMkLst>
+        </pc:cxnChg>
+        <pc:cxnChg chg="add">
+          <ac:chgData name="Robert Finch" userId="360118edfabb5ba6" providerId="LiveId" clId="{940D50E2-FEDC-434C-83CF-A13052851249}" dt="2025-11-22T23:56:16.576" v="1822" actId="11529"/>
+          <ac:cxnSpMkLst>
+            <pc:docMk/>
+            <pc:sldMk cId="1699936056" sldId="260"/>
+            <ac:cxnSpMk id="17" creationId="{02CF5E09-3C1F-2D51-942B-0EEA9BA267E3}"/>
+          </ac:cxnSpMkLst>
+        </pc:cxnChg>
+        <pc:cxnChg chg="add">
+          <ac:chgData name="Robert Finch" userId="360118edfabb5ba6" providerId="LiveId" clId="{940D50E2-FEDC-434C-83CF-A13052851249}" dt="2025-11-22T23:56:22.798" v="1823" actId="11529"/>
+          <ac:cxnSpMkLst>
+            <pc:docMk/>
+            <pc:sldMk cId="1699936056" sldId="260"/>
+            <ac:cxnSpMk id="19" creationId="{1607C9A0-5166-F21B-542F-8E7252B00C81}"/>
+          </ac:cxnSpMkLst>
+        </pc:cxnChg>
+        <pc:cxnChg chg="add">
+          <ac:chgData name="Robert Finch" userId="360118edfabb5ba6" providerId="LiveId" clId="{940D50E2-FEDC-434C-83CF-A13052851249}" dt="2025-11-22T23:56:29.251" v="1824" actId="11529"/>
+          <ac:cxnSpMkLst>
+            <pc:docMk/>
+            <pc:sldMk cId="1699936056" sldId="260"/>
+            <ac:cxnSpMk id="21" creationId="{369E0F95-CD07-5DE4-D70B-B1E72F056A65}"/>
+          </ac:cxnSpMkLst>
+        </pc:cxnChg>
+        <pc:cxnChg chg="add">
+          <ac:chgData name="Robert Finch" userId="360118edfabb5ba6" providerId="LiveId" clId="{940D50E2-FEDC-434C-83CF-A13052851249}" dt="2025-11-22T23:56:34.849" v="1825" actId="11529"/>
+          <ac:cxnSpMkLst>
+            <pc:docMk/>
+            <pc:sldMk cId="1699936056" sldId="260"/>
+            <ac:cxnSpMk id="23" creationId="{CF86FF03-242A-963A-0BBF-897262A85F3C}"/>
+          </ac:cxnSpMkLst>
+        </pc:cxnChg>
+      </pc:sldChg>
+      <pc:sldChg chg="addSp delSp modSp add mod">
+        <pc:chgData name="Robert Finch" userId="360118edfabb5ba6" providerId="LiveId" clId="{940D50E2-FEDC-434C-83CF-A13052851249}" dt="2025-11-23T00:14:17.985" v="2401" actId="1076"/>
+        <pc:sldMkLst>
+          <pc:docMk/>
+          <pc:sldMk cId="2158676314" sldId="261"/>
+        </pc:sldMkLst>
+        <pc:spChg chg="mod">
+          <ac:chgData name="Robert Finch" userId="360118edfabb5ba6" providerId="LiveId" clId="{940D50E2-FEDC-434C-83CF-A13052851249}" dt="2025-11-23T00:14:17.985" v="2401" actId="1076"/>
+          <ac:spMkLst>
+            <pc:docMk/>
+            <pc:sldMk cId="2158676314" sldId="261"/>
+            <ac:spMk id="3" creationId="{0C27144C-E161-16AF-2F75-07601999C4A1}"/>
+          </ac:spMkLst>
+        </pc:spChg>
+        <pc:spChg chg="mod">
+          <ac:chgData name="Robert Finch" userId="360118edfabb5ba6" providerId="LiveId" clId="{940D50E2-FEDC-434C-83CF-A13052851249}" dt="2025-11-23T00:14:17.985" v="2401" actId="1076"/>
+          <ac:spMkLst>
+            <pc:docMk/>
+            <pc:sldMk cId="2158676314" sldId="261"/>
+            <ac:spMk id="4" creationId="{969FEC7A-DF77-391B-AFB0-9F862587FF59}"/>
+          </ac:spMkLst>
+        </pc:spChg>
+        <pc:spChg chg="mod">
+          <ac:chgData name="Robert Finch" userId="360118edfabb5ba6" providerId="LiveId" clId="{940D50E2-FEDC-434C-83CF-A13052851249}" dt="2025-11-23T00:14:17.985" v="2401" actId="1076"/>
+          <ac:spMkLst>
+            <pc:docMk/>
+            <pc:sldMk cId="2158676314" sldId="261"/>
+            <ac:spMk id="7" creationId="{50966088-AC4E-A775-4D9D-5005DB07460A}"/>
+          </ac:spMkLst>
+        </pc:spChg>
+        <pc:spChg chg="mod">
+          <ac:chgData name="Robert Finch" userId="360118edfabb5ba6" providerId="LiveId" clId="{940D50E2-FEDC-434C-83CF-A13052851249}" dt="2025-11-23T00:14:17.985" v="2401" actId="1076"/>
+          <ac:spMkLst>
+            <pc:docMk/>
+            <pc:sldMk cId="2158676314" sldId="261"/>
+            <ac:spMk id="8" creationId="{BE7773AA-B94A-BB70-ACBB-CB78A1A011B3}"/>
+          </ac:spMkLst>
+        </pc:spChg>
+        <pc:spChg chg="mod">
+          <ac:chgData name="Robert Finch" userId="360118edfabb5ba6" providerId="LiveId" clId="{940D50E2-FEDC-434C-83CF-A13052851249}" dt="2025-11-23T00:14:17.985" v="2401" actId="1076"/>
+          <ac:spMkLst>
+            <pc:docMk/>
+            <pc:sldMk cId="2158676314" sldId="261"/>
+            <ac:spMk id="9" creationId="{C19D3401-260A-B244-2C43-90D8FEBECAD4}"/>
+          </ac:spMkLst>
+        </pc:spChg>
+        <pc:spChg chg="mod">
+          <ac:chgData name="Robert Finch" userId="360118edfabb5ba6" providerId="LiveId" clId="{940D50E2-FEDC-434C-83CF-A13052851249}" dt="2025-11-23T00:13:24.347" v="2393" actId="1076"/>
+          <ac:spMkLst>
+            <pc:docMk/>
+            <pc:sldMk cId="2158676314" sldId="261"/>
+            <ac:spMk id="10" creationId="{8D287215-5DBC-D0AF-3161-0E18C324DD1D}"/>
+          </ac:spMkLst>
+        </pc:spChg>
+        <pc:spChg chg="mod">
+          <ac:chgData name="Robert Finch" userId="360118edfabb5ba6" providerId="LiveId" clId="{940D50E2-FEDC-434C-83CF-A13052851249}" dt="2025-11-23T00:12:20.280" v="2383" actId="1076"/>
+          <ac:spMkLst>
+            <pc:docMk/>
+            <pc:sldMk cId="2158676314" sldId="261"/>
+            <ac:spMk id="11" creationId="{48ADC30E-FE6F-5170-9C4F-53E6883FC9F2}"/>
+          </ac:spMkLst>
+        </pc:spChg>
+        <pc:spChg chg="mod">
+          <ac:chgData name="Robert Finch" userId="360118edfabb5ba6" providerId="LiveId" clId="{940D50E2-FEDC-434C-83CF-A13052851249}" dt="2025-11-23T00:13:24.347" v="2393" actId="1076"/>
+          <ac:spMkLst>
+            <pc:docMk/>
+            <pc:sldMk cId="2158676314" sldId="261"/>
+            <ac:spMk id="12" creationId="{5B12A6DC-BBC1-A9A2-147C-01B9E927D7AB}"/>
+          </ac:spMkLst>
+        </pc:spChg>
+        <pc:spChg chg="mod">
+          <ac:chgData name="Robert Finch" userId="360118edfabb5ba6" providerId="LiveId" clId="{940D50E2-FEDC-434C-83CF-A13052851249}" dt="2025-11-23T00:10:16.706" v="2365" actId="20577"/>
+          <ac:spMkLst>
+            <pc:docMk/>
+            <pc:sldMk cId="2158676314" sldId="261"/>
+            <ac:spMk id="24" creationId="{280D2A3D-F63E-F0BF-E55D-0D052F9765D1}"/>
+          </ac:spMkLst>
+        </pc:spChg>
+        <pc:spChg chg="mod">
+          <ac:chgData name="Robert Finch" userId="360118edfabb5ba6" providerId="LiveId" clId="{940D50E2-FEDC-434C-83CF-A13052851249}" dt="2025-11-23T00:10:43.754" v="2376" actId="20577"/>
+          <ac:spMkLst>
+            <pc:docMk/>
+            <pc:sldMk cId="2158676314" sldId="261"/>
+            <ac:spMk id="26" creationId="{262DC98B-7FAC-5E7F-7468-88688ED7EB06}"/>
+          </ac:spMkLst>
+        </pc:spChg>
+        <pc:spChg chg="mod">
+          <ac:chgData name="Robert Finch" userId="360118edfabb5ba6" providerId="LiveId" clId="{940D50E2-FEDC-434C-83CF-A13052851249}" dt="2025-11-23T00:14:17.985" v="2401" actId="1076"/>
+          <ac:spMkLst>
+            <pc:docMk/>
+            <pc:sldMk cId="2158676314" sldId="261"/>
+            <ac:spMk id="27" creationId="{3BE61728-DBCD-6AD6-83A6-E3F3C46AFF9E}"/>
+          </ac:spMkLst>
+        </pc:spChg>
+        <pc:spChg chg="mod">
+          <ac:chgData name="Robert Finch" userId="360118edfabb5ba6" providerId="LiveId" clId="{940D50E2-FEDC-434C-83CF-A13052851249}" dt="2025-11-23T00:14:17.985" v="2401" actId="1076"/>
+          <ac:spMkLst>
+            <pc:docMk/>
+            <pc:sldMk cId="2158676314" sldId="261"/>
+            <ac:spMk id="28" creationId="{B8DEF494-2477-0963-A5FE-8A0A4444D5C9}"/>
+          </ac:spMkLst>
+        </pc:spChg>
+        <pc:spChg chg="mod">
+          <ac:chgData name="Robert Finch" userId="360118edfabb5ba6" providerId="LiveId" clId="{940D50E2-FEDC-434C-83CF-A13052851249}" dt="2025-11-23T00:12:40.367" v="2385" actId="1076"/>
+          <ac:spMkLst>
+            <pc:docMk/>
+            <pc:sldMk cId="2158676314" sldId="261"/>
+            <ac:spMk id="29" creationId="{64E9ADD8-0BC9-9DA4-8EA0-9C296AA8B94C}"/>
+          </ac:spMkLst>
+        </pc:spChg>
+        <pc:spChg chg="mod">
+          <ac:chgData name="Robert Finch" userId="360118edfabb5ba6" providerId="LiveId" clId="{940D50E2-FEDC-434C-83CF-A13052851249}" dt="2025-11-23T00:14:17.985" v="2401" actId="1076"/>
+          <ac:spMkLst>
+            <pc:docMk/>
+            <pc:sldMk cId="2158676314" sldId="261"/>
+            <ac:spMk id="30" creationId="{B9EA49EE-7660-4DB4-3990-22C030096D8C}"/>
+          </ac:spMkLst>
+        </pc:spChg>
+        <pc:spChg chg="mod">
+          <ac:chgData name="Robert Finch" userId="360118edfabb5ba6" providerId="LiveId" clId="{940D50E2-FEDC-434C-83CF-A13052851249}" dt="2025-11-23T00:13:24.347" v="2393" actId="1076"/>
+          <ac:spMkLst>
+            <pc:docMk/>
+            <pc:sldMk cId="2158676314" sldId="261"/>
+            <ac:spMk id="33" creationId="{4DF76EC5-EA41-5165-3F33-68C42F568814}"/>
+          </ac:spMkLst>
+        </pc:spChg>
+        <pc:spChg chg="mod">
+          <ac:chgData name="Robert Finch" userId="360118edfabb5ba6" providerId="LiveId" clId="{940D50E2-FEDC-434C-83CF-A13052851249}" dt="2025-11-23T00:14:17.985" v="2401" actId="1076"/>
+          <ac:spMkLst>
+            <pc:docMk/>
+            <pc:sldMk cId="2158676314" sldId="261"/>
+            <ac:spMk id="34" creationId="{A4018FD3-15CE-A4B1-3B79-9E15C806C8E8}"/>
+          </ac:spMkLst>
+        </pc:spChg>
+        <pc:spChg chg="mod">
+          <ac:chgData name="Robert Finch" userId="360118edfabb5ba6" providerId="LiveId" clId="{940D50E2-FEDC-434C-83CF-A13052851249}" dt="2025-11-23T00:14:17.985" v="2401" actId="1076"/>
+          <ac:spMkLst>
+            <pc:docMk/>
+            <pc:sldMk cId="2158676314" sldId="261"/>
+            <ac:spMk id="35" creationId="{2063F728-3E9E-0AB0-FA7C-13721BF1B048}"/>
+          </ac:spMkLst>
+        </pc:spChg>
+        <pc:spChg chg="mod">
+          <ac:chgData name="Robert Finch" userId="360118edfabb5ba6" providerId="LiveId" clId="{940D50E2-FEDC-434C-83CF-A13052851249}" dt="2025-11-23T00:13:24.347" v="2393" actId="1076"/>
+          <ac:spMkLst>
+            <pc:docMk/>
+            <pc:sldMk cId="2158676314" sldId="261"/>
+            <ac:spMk id="36" creationId="{5E9124A6-D89A-7781-4F79-EDFFFDB7F29E}"/>
+          </ac:spMkLst>
+        </pc:spChg>
+        <pc:graphicFrameChg chg="add mod">
+          <ac:chgData name="Robert Finch" userId="360118edfabb5ba6" providerId="LiveId" clId="{940D50E2-FEDC-434C-83CF-A13052851249}" dt="2025-11-23T00:11:28.485" v="2378"/>
+          <ac:graphicFrameMkLst>
+            <pc:docMk/>
+            <pc:sldMk cId="2158676314" sldId="261"/>
+            <ac:graphicFrameMk id="2" creationId="{DD856A2D-218D-7102-937C-5EC6E59C6877}"/>
+          </ac:graphicFrameMkLst>
+        </pc:graphicFrameChg>
+        <pc:graphicFrameChg chg="add mod">
+          <ac:chgData name="Robert Finch" userId="360118edfabb5ba6" providerId="LiveId" clId="{940D50E2-FEDC-434C-83CF-A13052851249}" dt="2025-11-23T00:14:09.220" v="2400" actId="1076"/>
+          <ac:graphicFrameMkLst>
+            <pc:docMk/>
+            <pc:sldMk cId="2158676314" sldId="261"/>
+            <ac:graphicFrameMk id="13" creationId="{6A8053A9-131F-3005-ABDF-F5847E3FCD47}"/>
+          </ac:graphicFrameMkLst>
+        </pc:graphicFrameChg>
+        <pc:graphicFrameChg chg="del">
+          <ac:chgData name="Robert Finch" userId="360118edfabb5ba6" providerId="LiveId" clId="{940D50E2-FEDC-434C-83CF-A13052851249}" dt="2025-11-23T00:10:55.203" v="2377" actId="478"/>
+          <ac:graphicFrameMkLst>
+            <pc:docMk/>
+            <pc:sldMk cId="2158676314" sldId="261"/>
+            <ac:graphicFrameMk id="37" creationId="{A16A2D74-7189-5837-FBDF-EF69008D376A}"/>
+          </ac:graphicFrameMkLst>
+        </pc:graphicFrameChg>
+        <pc:cxnChg chg="mod">
+          <ac:chgData name="Robert Finch" userId="360118edfabb5ba6" providerId="LiveId" clId="{940D50E2-FEDC-434C-83CF-A13052851249}" dt="2025-11-23T00:13:35.452" v="2395" actId="1076"/>
+          <ac:cxnSpMkLst>
+            <pc:docMk/>
+            <pc:sldMk cId="2158676314" sldId="261"/>
+            <ac:cxnSpMk id="14" creationId="{FD63B359-6F10-88F7-A56E-B4C1C364CC2D}"/>
+          </ac:cxnSpMkLst>
+        </pc:cxnChg>
+        <pc:cxnChg chg="mod">
+          <ac:chgData name="Robert Finch" userId="360118edfabb5ba6" providerId="LiveId" clId="{940D50E2-FEDC-434C-83CF-A13052851249}" dt="2025-11-23T00:13:54.092" v="2399" actId="1076"/>
+          <ac:cxnSpMkLst>
+            <pc:docMk/>
+            <pc:sldMk cId="2158676314" sldId="261"/>
+            <ac:cxnSpMk id="17" creationId="{12EF7A99-EDA2-1B51-C34D-6D2078FBC082}"/>
+          </ac:cxnSpMkLst>
+        </pc:cxnChg>
+        <pc:cxnChg chg="mod">
+          <ac:chgData name="Robert Finch" userId="360118edfabb5ba6" providerId="LiveId" clId="{940D50E2-FEDC-434C-83CF-A13052851249}" dt="2025-11-23T00:13:49.247" v="2398" actId="1076"/>
+          <ac:cxnSpMkLst>
+            <pc:docMk/>
+            <pc:sldMk cId="2158676314" sldId="261"/>
+            <ac:cxnSpMk id="19" creationId="{A0113844-248D-A86C-1E6E-B573C441D2F4}"/>
+          </ac:cxnSpMkLst>
+        </pc:cxnChg>
+        <pc:cxnChg chg="mod">
+          <ac:chgData name="Robert Finch" userId="360118edfabb5ba6" providerId="LiveId" clId="{940D50E2-FEDC-434C-83CF-A13052851249}" dt="2025-11-23T00:13:44.320" v="2397" actId="1076"/>
+          <ac:cxnSpMkLst>
+            <pc:docMk/>
+            <pc:sldMk cId="2158676314" sldId="261"/>
+            <ac:cxnSpMk id="21" creationId="{69036756-F6F1-FBAA-368A-83B73505C38C}"/>
+          </ac:cxnSpMkLst>
+        </pc:cxnChg>
+        <pc:cxnChg chg="mod">
+          <ac:chgData name="Robert Finch" userId="360118edfabb5ba6" providerId="LiveId" clId="{940D50E2-FEDC-434C-83CF-A13052851249}" dt="2025-11-23T00:13:39.954" v="2396" actId="1076"/>
+          <ac:cxnSpMkLst>
+            <pc:docMk/>
+            <pc:sldMk cId="2158676314" sldId="261"/>
+            <ac:cxnSpMk id="23" creationId="{013953BD-FADC-5892-E158-32C9E7B4410B}"/>
+          </ac:cxnSpMkLst>
+        </pc:cxnChg>
+      </pc:sldChg>
     </pc:docChg>
   </pc:docChgLst>
 </pc:chgInfo>
@@ -437,7 +874,7 @@
           <a:p>
             <a:fld id="{44286AE6-4560-4D02-878E-D46EF7C26196}" type="datetimeFigureOut">
               <a:rPr lang="en-CA" smtClean="0"/>
-              <a:t>2025-11-20</a:t>
+              <a:t>2025-11-22</a:t>
             </a:fld>
             <a:endParaRPr lang="en-CA"/>
           </a:p>
@@ -637,7 +1074,7 @@
           <a:p>
             <a:fld id="{44286AE6-4560-4D02-878E-D46EF7C26196}" type="datetimeFigureOut">
               <a:rPr lang="en-CA" smtClean="0"/>
-              <a:t>2025-11-20</a:t>
+              <a:t>2025-11-22</a:t>
             </a:fld>
             <a:endParaRPr lang="en-CA"/>
           </a:p>
@@ -847,7 +1284,7 @@
           <a:p>
             <a:fld id="{44286AE6-4560-4D02-878E-D46EF7C26196}" type="datetimeFigureOut">
               <a:rPr lang="en-CA" smtClean="0"/>
-              <a:t>2025-11-20</a:t>
+              <a:t>2025-11-22</a:t>
             </a:fld>
             <a:endParaRPr lang="en-CA"/>
           </a:p>
@@ -1047,7 +1484,7 @@
           <a:p>
             <a:fld id="{44286AE6-4560-4D02-878E-D46EF7C26196}" type="datetimeFigureOut">
               <a:rPr lang="en-CA" smtClean="0"/>
-              <a:t>2025-11-20</a:t>
+              <a:t>2025-11-22</a:t>
             </a:fld>
             <a:endParaRPr lang="en-CA"/>
           </a:p>
@@ -1323,7 +1760,7 @@
           <a:p>
             <a:fld id="{44286AE6-4560-4D02-878E-D46EF7C26196}" type="datetimeFigureOut">
               <a:rPr lang="en-CA" smtClean="0"/>
-              <a:t>2025-11-20</a:t>
+              <a:t>2025-11-22</a:t>
             </a:fld>
             <a:endParaRPr lang="en-CA"/>
           </a:p>
@@ -1591,7 +2028,7 @@
           <a:p>
             <a:fld id="{44286AE6-4560-4D02-878E-D46EF7C26196}" type="datetimeFigureOut">
               <a:rPr lang="en-CA" smtClean="0"/>
-              <a:t>2025-11-20</a:t>
+              <a:t>2025-11-22</a:t>
             </a:fld>
             <a:endParaRPr lang="en-CA"/>
           </a:p>
@@ -2006,7 +2443,7 @@
           <a:p>
             <a:fld id="{44286AE6-4560-4D02-878E-D46EF7C26196}" type="datetimeFigureOut">
               <a:rPr lang="en-CA" smtClean="0"/>
-              <a:t>2025-11-20</a:t>
+              <a:t>2025-11-22</a:t>
             </a:fld>
             <a:endParaRPr lang="en-CA"/>
           </a:p>
@@ -2148,7 +2585,7 @@
           <a:p>
             <a:fld id="{44286AE6-4560-4D02-878E-D46EF7C26196}" type="datetimeFigureOut">
               <a:rPr lang="en-CA" smtClean="0"/>
-              <a:t>2025-11-20</a:t>
+              <a:t>2025-11-22</a:t>
             </a:fld>
             <a:endParaRPr lang="en-CA"/>
           </a:p>
@@ -2261,7 +2698,7 @@
           <a:p>
             <a:fld id="{44286AE6-4560-4D02-878E-D46EF7C26196}" type="datetimeFigureOut">
               <a:rPr lang="en-CA" smtClean="0"/>
-              <a:t>2025-11-20</a:t>
+              <a:t>2025-11-22</a:t>
             </a:fld>
             <a:endParaRPr lang="en-CA"/>
           </a:p>
@@ -2574,7 +3011,7 @@
           <a:p>
             <a:fld id="{44286AE6-4560-4D02-878E-D46EF7C26196}" type="datetimeFigureOut">
               <a:rPr lang="en-CA" smtClean="0"/>
-              <a:t>2025-11-20</a:t>
+              <a:t>2025-11-22</a:t>
             </a:fld>
             <a:endParaRPr lang="en-CA"/>
           </a:p>
@@ -2863,7 +3300,7 @@
           <a:p>
             <a:fld id="{44286AE6-4560-4D02-878E-D46EF7C26196}" type="datetimeFigureOut">
               <a:rPr lang="en-CA" smtClean="0"/>
-              <a:t>2025-11-20</a:t>
+              <a:t>2025-11-22</a:t>
             </a:fld>
             <a:endParaRPr lang="en-CA"/>
           </a:p>
@@ -3106,7 +3543,7 @@
           <a:p>
             <a:fld id="{44286AE6-4560-4D02-878E-D46EF7C26196}" type="datetimeFigureOut">
               <a:rPr lang="en-CA" smtClean="0"/>
-              <a:t>2025-11-20</a:t>
+              <a:t>2025-11-22</a:t>
             </a:fld>
             <a:endParaRPr lang="en-CA"/>
           </a:p>
@@ -4316,6 +4753,2619 @@
     <p:extLst>
       <p:ext uri="{BB962C8B-B14F-4D97-AF65-F5344CB8AC3E}">
         <p14:creationId xmlns:p14="http://schemas.microsoft.com/office/powerpoint/2010/main" val="2158178347"/>
+      </p:ext>
+    </p:extLst>
+  </p:cSld>
+  <p:clrMapOvr>
+    <a:masterClrMapping/>
+  </p:clrMapOvr>
+</p:sld>
+</file>
+
+<file path=ppt/slides/slide5.xml><?xml version="1.0" encoding="utf-8"?>
+<p:sld xmlns:a="http://schemas.openxmlformats.org/drawingml/2006/main" xmlns:r="http://schemas.openxmlformats.org/officeDocument/2006/relationships" xmlns:p="http://schemas.openxmlformats.org/presentationml/2006/main">
+  <p:cSld>
+    <p:spTree>
+      <p:nvGrpSpPr>
+        <p:cNvPr id="1" name=""/>
+        <p:cNvGrpSpPr/>
+        <p:nvPr/>
+      </p:nvGrpSpPr>
+      <p:grpSpPr>
+        <a:xfrm>
+          <a:off x="0" y="0"/>
+          <a:ext cx="0" cy="0"/>
+          <a:chOff x="0" y="0"/>
+          <a:chExt cx="0" cy="0"/>
+        </a:xfrm>
+      </p:grpSpPr>
+      <p:sp>
+        <p:nvSpPr>
+          <p:cNvPr id="3" name="Rectangle 2">
+            <a:extLst>
+              <a:ext uri="{FF2B5EF4-FFF2-40B4-BE49-F238E27FC236}">
+                <a16:creationId xmlns:a16="http://schemas.microsoft.com/office/drawing/2014/main" id="{3D265019-C281-8999-45A5-098FC1725B6F}"/>
+              </a:ext>
+            </a:extLst>
+          </p:cNvPr>
+          <p:cNvSpPr/>
+          <p:nvPr/>
+        </p:nvSpPr>
+        <p:spPr>
+          <a:xfrm>
+            <a:off x="1474489" y="4566707"/>
+            <a:ext cx="914400" cy="304800"/>
+          </a:xfrm>
+          <a:prstGeom prst="rect">
+            <a:avLst/>
+          </a:prstGeom>
+        </p:spPr>
+        <p:style>
+          <a:lnRef idx="2">
+            <a:schemeClr val="accent1">
+              <a:shade val="15000"/>
+            </a:schemeClr>
+          </a:lnRef>
+          <a:fillRef idx="1">
+            <a:schemeClr val="accent1"/>
+          </a:fillRef>
+          <a:effectRef idx="0">
+            <a:schemeClr val="accent1"/>
+          </a:effectRef>
+          <a:fontRef idx="minor">
+            <a:schemeClr val="lt1"/>
+          </a:fontRef>
+        </p:style>
+        <p:txBody>
+          <a:bodyPr rtlCol="0" anchor="ctr"/>
+          <a:lstStyle/>
+          <a:p>
+            <a:pPr algn="ctr"/>
+            <a:r>
+              <a:rPr lang="en-US" sz="1200" dirty="0"/>
+              <a:t>Lane 3</a:t>
+            </a:r>
+            <a:endParaRPr lang="en-CA" sz="1200" dirty="0"/>
+          </a:p>
+        </p:txBody>
+      </p:sp>
+      <p:sp>
+        <p:nvSpPr>
+          <p:cNvPr id="4" name="Rectangle 3">
+            <a:extLst>
+              <a:ext uri="{FF2B5EF4-FFF2-40B4-BE49-F238E27FC236}">
+                <a16:creationId xmlns:a16="http://schemas.microsoft.com/office/drawing/2014/main" id="{DD916673-FDB8-7A84-B417-D04364704BF4}"/>
+              </a:ext>
+            </a:extLst>
+          </p:cNvPr>
+          <p:cNvSpPr/>
+          <p:nvPr/>
+        </p:nvSpPr>
+        <p:spPr>
+          <a:xfrm>
+            <a:off x="2388889" y="4566707"/>
+            <a:ext cx="914400" cy="304800"/>
+          </a:xfrm>
+          <a:prstGeom prst="rect">
+            <a:avLst/>
+          </a:prstGeom>
+        </p:spPr>
+        <p:style>
+          <a:lnRef idx="2">
+            <a:schemeClr val="accent1">
+              <a:shade val="15000"/>
+            </a:schemeClr>
+          </a:lnRef>
+          <a:fillRef idx="1">
+            <a:schemeClr val="accent1"/>
+          </a:fillRef>
+          <a:effectRef idx="0">
+            <a:schemeClr val="accent1"/>
+          </a:effectRef>
+          <a:fontRef idx="minor">
+            <a:schemeClr val="lt1"/>
+          </a:fontRef>
+        </p:style>
+        <p:txBody>
+          <a:bodyPr rtlCol="0" anchor="ctr"/>
+          <a:lstStyle/>
+          <a:p>
+            <a:pPr algn="ctr"/>
+            <a:r>
+              <a:rPr lang="en-US" sz="1200" dirty="0"/>
+              <a:t>Lane 2</a:t>
+            </a:r>
+            <a:endParaRPr lang="en-CA" sz="1200" dirty="0"/>
+          </a:p>
+        </p:txBody>
+      </p:sp>
+      <p:sp>
+        <p:nvSpPr>
+          <p:cNvPr id="5" name="Rectangle 4">
+            <a:extLst>
+              <a:ext uri="{FF2B5EF4-FFF2-40B4-BE49-F238E27FC236}">
+                <a16:creationId xmlns:a16="http://schemas.microsoft.com/office/drawing/2014/main" id="{2757B766-AEF6-CD93-675D-423CE228B11D}"/>
+              </a:ext>
+            </a:extLst>
+          </p:cNvPr>
+          <p:cNvSpPr/>
+          <p:nvPr/>
+        </p:nvSpPr>
+        <p:spPr>
+          <a:xfrm>
+            <a:off x="3303289" y="4566707"/>
+            <a:ext cx="914400" cy="304800"/>
+          </a:xfrm>
+          <a:prstGeom prst="rect">
+            <a:avLst/>
+          </a:prstGeom>
+        </p:spPr>
+        <p:style>
+          <a:lnRef idx="2">
+            <a:schemeClr val="accent1">
+              <a:shade val="15000"/>
+            </a:schemeClr>
+          </a:lnRef>
+          <a:fillRef idx="1">
+            <a:schemeClr val="accent1"/>
+          </a:fillRef>
+          <a:effectRef idx="0">
+            <a:schemeClr val="accent1"/>
+          </a:effectRef>
+          <a:fontRef idx="minor">
+            <a:schemeClr val="lt1"/>
+          </a:fontRef>
+        </p:style>
+        <p:txBody>
+          <a:bodyPr rtlCol="0" anchor="ctr"/>
+          <a:lstStyle/>
+          <a:p>
+            <a:pPr algn="ctr"/>
+            <a:r>
+              <a:rPr lang="en-US" sz="1200" dirty="0"/>
+              <a:t>Lane 1</a:t>
+            </a:r>
+            <a:endParaRPr lang="en-CA" sz="1200" dirty="0"/>
+          </a:p>
+        </p:txBody>
+      </p:sp>
+      <p:sp>
+        <p:nvSpPr>
+          <p:cNvPr id="6" name="Rectangle 5">
+            <a:extLst>
+              <a:ext uri="{FF2B5EF4-FFF2-40B4-BE49-F238E27FC236}">
+                <a16:creationId xmlns:a16="http://schemas.microsoft.com/office/drawing/2014/main" id="{C55D3D6E-A58F-55BF-7018-78DC564D216F}"/>
+              </a:ext>
+            </a:extLst>
+          </p:cNvPr>
+          <p:cNvSpPr/>
+          <p:nvPr/>
+        </p:nvSpPr>
+        <p:spPr>
+          <a:xfrm>
+            <a:off x="4217689" y="4566707"/>
+            <a:ext cx="914400" cy="304800"/>
+          </a:xfrm>
+          <a:prstGeom prst="rect">
+            <a:avLst/>
+          </a:prstGeom>
+        </p:spPr>
+        <p:style>
+          <a:lnRef idx="2">
+            <a:schemeClr val="accent1">
+              <a:shade val="15000"/>
+            </a:schemeClr>
+          </a:lnRef>
+          <a:fillRef idx="1">
+            <a:schemeClr val="accent1"/>
+          </a:fillRef>
+          <a:effectRef idx="0">
+            <a:schemeClr val="accent1"/>
+          </a:effectRef>
+          <a:fontRef idx="minor">
+            <a:schemeClr val="lt1"/>
+          </a:fontRef>
+        </p:style>
+        <p:txBody>
+          <a:bodyPr rtlCol="0" anchor="ctr"/>
+          <a:lstStyle/>
+          <a:p>
+            <a:pPr algn="ctr"/>
+            <a:r>
+              <a:rPr lang="en-US" sz="1200" dirty="0"/>
+              <a:t>Lane 0</a:t>
+            </a:r>
+            <a:endParaRPr lang="en-CA" sz="1200" dirty="0"/>
+          </a:p>
+        </p:txBody>
+      </p:sp>
+      <p:sp>
+        <p:nvSpPr>
+          <p:cNvPr id="7" name="Rectangle 6">
+            <a:extLst>
+              <a:ext uri="{FF2B5EF4-FFF2-40B4-BE49-F238E27FC236}">
+                <a16:creationId xmlns:a16="http://schemas.microsoft.com/office/drawing/2014/main" id="{BD923216-FAC7-9EEF-0724-0613BF2400CE}"/>
+              </a:ext>
+            </a:extLst>
+          </p:cNvPr>
+          <p:cNvSpPr/>
+          <p:nvPr/>
+        </p:nvSpPr>
+        <p:spPr>
+          <a:xfrm>
+            <a:off x="2388889" y="5271281"/>
+            <a:ext cx="914400" cy="304800"/>
+          </a:xfrm>
+          <a:prstGeom prst="rect">
+            <a:avLst/>
+          </a:prstGeom>
+        </p:spPr>
+        <p:style>
+          <a:lnRef idx="2">
+            <a:schemeClr val="accent1">
+              <a:shade val="15000"/>
+            </a:schemeClr>
+          </a:lnRef>
+          <a:fillRef idx="1">
+            <a:schemeClr val="accent1"/>
+          </a:fillRef>
+          <a:effectRef idx="0">
+            <a:schemeClr val="accent1"/>
+          </a:effectRef>
+          <a:fontRef idx="minor">
+            <a:schemeClr val="lt1"/>
+          </a:fontRef>
+        </p:style>
+        <p:txBody>
+          <a:bodyPr rtlCol="0" anchor="ctr"/>
+          <a:lstStyle/>
+          <a:p>
+            <a:pPr algn="ctr"/>
+            <a:r>
+              <a:rPr lang="en-US" sz="1200" dirty="0"/>
+              <a:t>Lane 3</a:t>
+            </a:r>
+            <a:endParaRPr lang="en-CA" sz="1200" dirty="0"/>
+          </a:p>
+        </p:txBody>
+      </p:sp>
+      <p:sp>
+        <p:nvSpPr>
+          <p:cNvPr id="8" name="Rectangle 7">
+            <a:extLst>
+              <a:ext uri="{FF2B5EF4-FFF2-40B4-BE49-F238E27FC236}">
+                <a16:creationId xmlns:a16="http://schemas.microsoft.com/office/drawing/2014/main" id="{BED041C7-9F8E-9054-7E08-B22CF44E59DB}"/>
+              </a:ext>
+            </a:extLst>
+          </p:cNvPr>
+          <p:cNvSpPr/>
+          <p:nvPr/>
+        </p:nvSpPr>
+        <p:spPr>
+          <a:xfrm>
+            <a:off x="3303289" y="5271281"/>
+            <a:ext cx="914400" cy="304800"/>
+          </a:xfrm>
+          <a:prstGeom prst="rect">
+            <a:avLst/>
+          </a:prstGeom>
+        </p:spPr>
+        <p:style>
+          <a:lnRef idx="2">
+            <a:schemeClr val="accent1">
+              <a:shade val="15000"/>
+            </a:schemeClr>
+          </a:lnRef>
+          <a:fillRef idx="1">
+            <a:schemeClr val="accent1"/>
+          </a:fillRef>
+          <a:effectRef idx="0">
+            <a:schemeClr val="accent1"/>
+          </a:effectRef>
+          <a:fontRef idx="minor">
+            <a:schemeClr val="lt1"/>
+          </a:fontRef>
+        </p:style>
+        <p:txBody>
+          <a:bodyPr rtlCol="0" anchor="ctr"/>
+          <a:lstStyle/>
+          <a:p>
+            <a:pPr algn="ctr"/>
+            <a:r>
+              <a:rPr lang="en-US" sz="1200" dirty="0"/>
+              <a:t>Lane 2</a:t>
+            </a:r>
+            <a:endParaRPr lang="en-CA" sz="1200" dirty="0"/>
+          </a:p>
+        </p:txBody>
+      </p:sp>
+      <p:sp>
+        <p:nvSpPr>
+          <p:cNvPr id="9" name="Rectangle 8">
+            <a:extLst>
+              <a:ext uri="{FF2B5EF4-FFF2-40B4-BE49-F238E27FC236}">
+                <a16:creationId xmlns:a16="http://schemas.microsoft.com/office/drawing/2014/main" id="{9741DF62-0D70-7627-73AB-87F0D8FE3550}"/>
+              </a:ext>
+            </a:extLst>
+          </p:cNvPr>
+          <p:cNvSpPr/>
+          <p:nvPr/>
+        </p:nvSpPr>
+        <p:spPr>
+          <a:xfrm>
+            <a:off x="4217689" y="5271281"/>
+            <a:ext cx="914400" cy="304800"/>
+          </a:xfrm>
+          <a:prstGeom prst="rect">
+            <a:avLst/>
+          </a:prstGeom>
+        </p:spPr>
+        <p:style>
+          <a:lnRef idx="2">
+            <a:schemeClr val="accent1">
+              <a:shade val="15000"/>
+            </a:schemeClr>
+          </a:lnRef>
+          <a:fillRef idx="1">
+            <a:schemeClr val="accent1"/>
+          </a:fillRef>
+          <a:effectRef idx="0">
+            <a:schemeClr val="accent1"/>
+          </a:effectRef>
+          <a:fontRef idx="minor">
+            <a:schemeClr val="lt1"/>
+          </a:fontRef>
+        </p:style>
+        <p:txBody>
+          <a:bodyPr rtlCol="0" anchor="ctr"/>
+          <a:lstStyle/>
+          <a:p>
+            <a:pPr algn="ctr"/>
+            <a:r>
+              <a:rPr lang="en-US" sz="1200" dirty="0"/>
+              <a:t>Lane 1</a:t>
+            </a:r>
+            <a:endParaRPr lang="en-CA" sz="1200" dirty="0"/>
+          </a:p>
+        </p:txBody>
+      </p:sp>
+      <p:sp>
+        <p:nvSpPr>
+          <p:cNvPr id="10" name="Rectangle 9">
+            <a:extLst>
+              <a:ext uri="{FF2B5EF4-FFF2-40B4-BE49-F238E27FC236}">
+                <a16:creationId xmlns:a16="http://schemas.microsoft.com/office/drawing/2014/main" id="{BB85FA3F-23E8-3C6F-BA77-F9BA246EC1CC}"/>
+              </a:ext>
+            </a:extLst>
+          </p:cNvPr>
+          <p:cNvSpPr/>
+          <p:nvPr/>
+        </p:nvSpPr>
+        <p:spPr>
+          <a:xfrm>
+            <a:off x="1470072" y="5271281"/>
+            <a:ext cx="914400" cy="304800"/>
+          </a:xfrm>
+          <a:prstGeom prst="rect">
+            <a:avLst/>
+          </a:prstGeom>
+        </p:spPr>
+        <p:style>
+          <a:lnRef idx="2">
+            <a:schemeClr val="accent1">
+              <a:shade val="15000"/>
+            </a:schemeClr>
+          </a:lnRef>
+          <a:fillRef idx="1">
+            <a:schemeClr val="accent1"/>
+          </a:fillRef>
+          <a:effectRef idx="0">
+            <a:schemeClr val="accent1"/>
+          </a:effectRef>
+          <a:fontRef idx="minor">
+            <a:schemeClr val="lt1"/>
+          </a:fontRef>
+        </p:style>
+        <p:txBody>
+          <a:bodyPr rtlCol="0" anchor="ctr"/>
+          <a:lstStyle/>
+          <a:p>
+            <a:pPr algn="ctr"/>
+            <a:r>
+              <a:rPr lang="en-US" sz="1200" dirty="0"/>
+              <a:t>Carry out</a:t>
+            </a:r>
+            <a:endParaRPr lang="en-CA" sz="1200" dirty="0"/>
+          </a:p>
+        </p:txBody>
+      </p:sp>
+      <p:sp>
+        <p:nvSpPr>
+          <p:cNvPr id="11" name="Rectangle 10">
+            <a:extLst>
+              <a:ext uri="{FF2B5EF4-FFF2-40B4-BE49-F238E27FC236}">
+                <a16:creationId xmlns:a16="http://schemas.microsoft.com/office/drawing/2014/main" id="{282976CF-FBC8-584F-C4B3-1EAA6A6E70AA}"/>
+              </a:ext>
+            </a:extLst>
+          </p:cNvPr>
+          <p:cNvSpPr/>
+          <p:nvPr/>
+        </p:nvSpPr>
+        <p:spPr>
+          <a:xfrm>
+            <a:off x="5132088" y="4566707"/>
+            <a:ext cx="914400" cy="304800"/>
+          </a:xfrm>
+          <a:prstGeom prst="rect">
+            <a:avLst/>
+          </a:prstGeom>
+        </p:spPr>
+        <p:style>
+          <a:lnRef idx="2">
+            <a:schemeClr val="accent1">
+              <a:shade val="15000"/>
+            </a:schemeClr>
+          </a:lnRef>
+          <a:fillRef idx="1">
+            <a:schemeClr val="accent1"/>
+          </a:fillRef>
+          <a:effectRef idx="0">
+            <a:schemeClr val="accent1"/>
+          </a:effectRef>
+          <a:fontRef idx="minor">
+            <a:schemeClr val="lt1"/>
+          </a:fontRef>
+        </p:style>
+        <p:txBody>
+          <a:bodyPr rtlCol="0" anchor="ctr"/>
+          <a:lstStyle/>
+          <a:p>
+            <a:pPr algn="ctr"/>
+            <a:r>
+              <a:rPr lang="en-US" sz="1200" dirty="0"/>
+              <a:t>Carry In</a:t>
+            </a:r>
+            <a:endParaRPr lang="en-CA" sz="1200" dirty="0"/>
+          </a:p>
+        </p:txBody>
+      </p:sp>
+      <p:sp>
+        <p:nvSpPr>
+          <p:cNvPr id="12" name="Rectangle 11">
+            <a:extLst>
+              <a:ext uri="{FF2B5EF4-FFF2-40B4-BE49-F238E27FC236}">
+                <a16:creationId xmlns:a16="http://schemas.microsoft.com/office/drawing/2014/main" id="{3ABF6D2B-FB99-1730-9B88-4650DFBF3AA6}"/>
+              </a:ext>
+            </a:extLst>
+          </p:cNvPr>
+          <p:cNvSpPr/>
+          <p:nvPr/>
+        </p:nvSpPr>
+        <p:spPr>
+          <a:xfrm>
+            <a:off x="5132089" y="5271281"/>
+            <a:ext cx="914400" cy="304800"/>
+          </a:xfrm>
+          <a:prstGeom prst="rect">
+            <a:avLst/>
+          </a:prstGeom>
+        </p:spPr>
+        <p:style>
+          <a:lnRef idx="2">
+            <a:schemeClr val="accent1">
+              <a:shade val="15000"/>
+            </a:schemeClr>
+          </a:lnRef>
+          <a:fillRef idx="1">
+            <a:schemeClr val="accent1"/>
+          </a:fillRef>
+          <a:effectRef idx="0">
+            <a:schemeClr val="accent1"/>
+          </a:effectRef>
+          <a:fontRef idx="minor">
+            <a:schemeClr val="lt1"/>
+          </a:fontRef>
+        </p:style>
+        <p:txBody>
+          <a:bodyPr rtlCol="0" anchor="ctr"/>
+          <a:lstStyle/>
+          <a:p>
+            <a:pPr algn="ctr"/>
+            <a:r>
+              <a:rPr lang="en-US" sz="1200" dirty="0"/>
+              <a:t>Lane 0</a:t>
+            </a:r>
+            <a:endParaRPr lang="en-CA" sz="1200" dirty="0"/>
+          </a:p>
+        </p:txBody>
+      </p:sp>
+      <p:cxnSp>
+        <p:nvCxnSpPr>
+          <p:cNvPr id="14" name="Straight Arrow Connector 13">
+            <a:extLst>
+              <a:ext uri="{FF2B5EF4-FFF2-40B4-BE49-F238E27FC236}">
+                <a16:creationId xmlns:a16="http://schemas.microsoft.com/office/drawing/2014/main" id="{2F8C095D-8DBB-878C-5D61-37A982937862}"/>
+              </a:ext>
+            </a:extLst>
+          </p:cNvPr>
+          <p:cNvCxnSpPr>
+            <a:stCxn id="11" idx="2"/>
+            <a:endCxn id="12" idx="0"/>
+          </p:cNvCxnSpPr>
+          <p:nvPr/>
+        </p:nvCxnSpPr>
+        <p:spPr>
+          <a:xfrm>
+            <a:off x="5589288" y="4871507"/>
+            <a:ext cx="1" cy="399774"/>
+          </a:xfrm>
+          <a:prstGeom prst="straightConnector1">
+            <a:avLst/>
+          </a:prstGeom>
+          <a:ln>
+            <a:tailEnd type="triangle"/>
+          </a:ln>
+        </p:spPr>
+        <p:style>
+          <a:lnRef idx="2">
+            <a:schemeClr val="accent1"/>
+          </a:lnRef>
+          <a:fillRef idx="0">
+            <a:schemeClr val="accent1"/>
+          </a:fillRef>
+          <a:effectRef idx="1">
+            <a:schemeClr val="accent1"/>
+          </a:effectRef>
+          <a:fontRef idx="minor">
+            <a:schemeClr val="tx1"/>
+          </a:fontRef>
+        </p:style>
+      </p:cxnSp>
+      <p:cxnSp>
+        <p:nvCxnSpPr>
+          <p:cNvPr id="17" name="Straight Arrow Connector 16">
+            <a:extLst>
+              <a:ext uri="{FF2B5EF4-FFF2-40B4-BE49-F238E27FC236}">
+                <a16:creationId xmlns:a16="http://schemas.microsoft.com/office/drawing/2014/main" id="{02CF5E09-3C1F-2D51-942B-0EEA9BA267E3}"/>
+              </a:ext>
+            </a:extLst>
+          </p:cNvPr>
+          <p:cNvCxnSpPr>
+            <a:stCxn id="6" idx="2"/>
+            <a:endCxn id="9" idx="0"/>
+          </p:cNvCxnSpPr>
+          <p:nvPr/>
+        </p:nvCxnSpPr>
+        <p:spPr>
+          <a:xfrm>
+            <a:off x="4674889" y="4871507"/>
+            <a:ext cx="0" cy="399774"/>
+          </a:xfrm>
+          <a:prstGeom prst="straightConnector1">
+            <a:avLst/>
+          </a:prstGeom>
+          <a:ln>
+            <a:tailEnd type="triangle"/>
+          </a:ln>
+        </p:spPr>
+        <p:style>
+          <a:lnRef idx="2">
+            <a:schemeClr val="accent1"/>
+          </a:lnRef>
+          <a:fillRef idx="0">
+            <a:schemeClr val="accent1"/>
+          </a:fillRef>
+          <a:effectRef idx="1">
+            <a:schemeClr val="accent1"/>
+          </a:effectRef>
+          <a:fontRef idx="minor">
+            <a:schemeClr val="tx1"/>
+          </a:fontRef>
+        </p:style>
+      </p:cxnSp>
+      <p:cxnSp>
+        <p:nvCxnSpPr>
+          <p:cNvPr id="19" name="Straight Arrow Connector 18">
+            <a:extLst>
+              <a:ext uri="{FF2B5EF4-FFF2-40B4-BE49-F238E27FC236}">
+                <a16:creationId xmlns:a16="http://schemas.microsoft.com/office/drawing/2014/main" id="{1607C9A0-5166-F21B-542F-8E7252B00C81}"/>
+              </a:ext>
+            </a:extLst>
+          </p:cNvPr>
+          <p:cNvCxnSpPr>
+            <a:stCxn id="5" idx="2"/>
+            <a:endCxn id="8" idx="0"/>
+          </p:cNvCxnSpPr>
+          <p:nvPr/>
+        </p:nvCxnSpPr>
+        <p:spPr>
+          <a:xfrm>
+            <a:off x="3760489" y="4871507"/>
+            <a:ext cx="0" cy="399774"/>
+          </a:xfrm>
+          <a:prstGeom prst="straightConnector1">
+            <a:avLst/>
+          </a:prstGeom>
+          <a:ln>
+            <a:tailEnd type="triangle"/>
+          </a:ln>
+        </p:spPr>
+        <p:style>
+          <a:lnRef idx="2">
+            <a:schemeClr val="accent1"/>
+          </a:lnRef>
+          <a:fillRef idx="0">
+            <a:schemeClr val="accent1"/>
+          </a:fillRef>
+          <a:effectRef idx="1">
+            <a:schemeClr val="accent1"/>
+          </a:effectRef>
+          <a:fontRef idx="minor">
+            <a:schemeClr val="tx1"/>
+          </a:fontRef>
+        </p:style>
+      </p:cxnSp>
+      <p:cxnSp>
+        <p:nvCxnSpPr>
+          <p:cNvPr id="21" name="Straight Arrow Connector 20">
+            <a:extLst>
+              <a:ext uri="{FF2B5EF4-FFF2-40B4-BE49-F238E27FC236}">
+                <a16:creationId xmlns:a16="http://schemas.microsoft.com/office/drawing/2014/main" id="{369E0F95-CD07-5DE4-D70B-B1E72F056A65}"/>
+              </a:ext>
+            </a:extLst>
+          </p:cNvPr>
+          <p:cNvCxnSpPr>
+            <a:stCxn id="4" idx="2"/>
+            <a:endCxn id="7" idx="0"/>
+          </p:cNvCxnSpPr>
+          <p:nvPr/>
+        </p:nvCxnSpPr>
+        <p:spPr>
+          <a:xfrm>
+            <a:off x="2846089" y="4871507"/>
+            <a:ext cx="0" cy="399774"/>
+          </a:xfrm>
+          <a:prstGeom prst="straightConnector1">
+            <a:avLst/>
+          </a:prstGeom>
+          <a:ln>
+            <a:tailEnd type="triangle"/>
+          </a:ln>
+        </p:spPr>
+        <p:style>
+          <a:lnRef idx="2">
+            <a:schemeClr val="accent1"/>
+          </a:lnRef>
+          <a:fillRef idx="0">
+            <a:schemeClr val="accent1"/>
+          </a:fillRef>
+          <a:effectRef idx="1">
+            <a:schemeClr val="accent1"/>
+          </a:effectRef>
+          <a:fontRef idx="minor">
+            <a:schemeClr val="tx1"/>
+          </a:fontRef>
+        </p:style>
+      </p:cxnSp>
+      <p:cxnSp>
+        <p:nvCxnSpPr>
+          <p:cNvPr id="23" name="Straight Arrow Connector 22">
+            <a:extLst>
+              <a:ext uri="{FF2B5EF4-FFF2-40B4-BE49-F238E27FC236}">
+                <a16:creationId xmlns:a16="http://schemas.microsoft.com/office/drawing/2014/main" id="{CF86FF03-242A-963A-0BBF-897262A85F3C}"/>
+              </a:ext>
+            </a:extLst>
+          </p:cNvPr>
+          <p:cNvCxnSpPr>
+            <a:stCxn id="3" idx="2"/>
+            <a:endCxn id="10" idx="0"/>
+          </p:cNvCxnSpPr>
+          <p:nvPr/>
+        </p:nvCxnSpPr>
+        <p:spPr>
+          <a:xfrm flipH="1">
+            <a:off x="1927272" y="4871507"/>
+            <a:ext cx="4417" cy="399774"/>
+          </a:xfrm>
+          <a:prstGeom prst="straightConnector1">
+            <a:avLst/>
+          </a:prstGeom>
+          <a:ln>
+            <a:tailEnd type="triangle"/>
+          </a:ln>
+        </p:spPr>
+        <p:style>
+          <a:lnRef idx="2">
+            <a:schemeClr val="accent1"/>
+          </a:lnRef>
+          <a:fillRef idx="0">
+            <a:schemeClr val="accent1"/>
+          </a:fillRef>
+          <a:effectRef idx="1">
+            <a:schemeClr val="accent1"/>
+          </a:effectRef>
+          <a:fontRef idx="minor">
+            <a:schemeClr val="tx1"/>
+          </a:fontRef>
+        </p:style>
+      </p:cxnSp>
+      <p:sp>
+        <p:nvSpPr>
+          <p:cNvPr id="24" name="TextBox 23">
+            <a:extLst>
+              <a:ext uri="{FF2B5EF4-FFF2-40B4-BE49-F238E27FC236}">
+                <a16:creationId xmlns:a16="http://schemas.microsoft.com/office/drawing/2014/main" id="{FBDD72F4-A4C1-D122-9163-CEEDCAC1B4EB}"/>
+              </a:ext>
+            </a:extLst>
+          </p:cNvPr>
+          <p:cNvSpPr txBox="1"/>
+          <p:nvPr/>
+        </p:nvSpPr>
+        <p:spPr>
+          <a:xfrm>
+            <a:off x="273498" y="1159821"/>
+            <a:ext cx="5212966" cy="461665"/>
+          </a:xfrm>
+          <a:prstGeom prst="rect">
+            <a:avLst/>
+          </a:prstGeom>
+          <a:noFill/>
+        </p:spPr>
+        <p:txBody>
+          <a:bodyPr wrap="none" rtlCol="0">
+            <a:spAutoFit/>
+          </a:bodyPr>
+          <a:lstStyle/>
+          <a:p>
+            <a:r>
+              <a:rPr lang="en-US" sz="2400" b="1" dirty="0"/>
+              <a:t>VSHLV</a:t>
+            </a:r>
+            <a:r>
+              <a:rPr lang="en-US" dirty="0"/>
+              <a:t> - Vector Shift Left Vector (Vector Slide Up)</a:t>
+            </a:r>
+            <a:endParaRPr lang="en-CA" dirty="0"/>
+          </a:p>
+        </p:txBody>
+      </p:sp>
+      <p:sp>
+        <p:nvSpPr>
+          <p:cNvPr id="25" name="Title 1">
+            <a:extLst>
+              <a:ext uri="{FF2B5EF4-FFF2-40B4-BE49-F238E27FC236}">
+                <a16:creationId xmlns:a16="http://schemas.microsoft.com/office/drawing/2014/main" id="{F98F6278-E29C-D5D3-F526-9A6DB4620588}"/>
+              </a:ext>
+            </a:extLst>
+          </p:cNvPr>
+          <p:cNvSpPr txBox="1">
+            <a:spLocks/>
+          </p:cNvSpPr>
+          <p:nvPr/>
+        </p:nvSpPr>
+        <p:spPr>
+          <a:xfrm>
+            <a:off x="129987" y="100386"/>
+            <a:ext cx="11896165" cy="957449"/>
+          </a:xfrm>
+          <a:prstGeom prst="rect">
+            <a:avLst/>
+          </a:prstGeom>
+        </p:spPr>
+        <p:txBody>
+          <a:bodyPr/>
+          <a:lstStyle>
+            <a:lvl1pPr algn="l" defTabSz="914400" rtl="0" eaLnBrk="1" latinLnBrk="0" hangingPunct="1">
+              <a:lnSpc>
+                <a:spcPct val="90000"/>
+              </a:lnSpc>
+              <a:spcBef>
+                <a:spcPct val="0"/>
+              </a:spcBef>
+              <a:buNone/>
+              <a:defRPr sz="4400" kern="1200">
+                <a:solidFill>
+                  <a:schemeClr val="tx1"/>
+                </a:solidFill>
+                <a:latin typeface="+mj-lt"/>
+                <a:ea typeface="+mj-ea"/>
+                <a:cs typeface="+mj-cs"/>
+              </a:defRPr>
+            </a:lvl1pPr>
+          </a:lstStyle>
+          <a:p>
+            <a:r>
+              <a:rPr lang="en-US"/>
+              <a:t>Qupls4 Vectors</a:t>
+            </a:r>
+            <a:endParaRPr lang="en-CA" dirty="0"/>
+          </a:p>
+        </p:txBody>
+      </p:sp>
+      <p:sp>
+        <p:nvSpPr>
+          <p:cNvPr id="26" name="TextBox 25">
+            <a:extLst>
+              <a:ext uri="{FF2B5EF4-FFF2-40B4-BE49-F238E27FC236}">
+                <a16:creationId xmlns:a16="http://schemas.microsoft.com/office/drawing/2014/main" id="{D565F2F5-CACB-0E77-DF38-517CDC1F0CFD}"/>
+              </a:ext>
+            </a:extLst>
+          </p:cNvPr>
+          <p:cNvSpPr txBox="1"/>
+          <p:nvPr/>
+        </p:nvSpPr>
+        <p:spPr>
+          <a:xfrm>
+            <a:off x="821635" y="1670385"/>
+            <a:ext cx="10935577" cy="923330"/>
+          </a:xfrm>
+          <a:prstGeom prst="rect">
+            <a:avLst/>
+          </a:prstGeom>
+          <a:noFill/>
+        </p:spPr>
+        <p:txBody>
+          <a:bodyPr wrap="square" rtlCol="0">
+            <a:spAutoFit/>
+          </a:bodyPr>
+          <a:lstStyle/>
+          <a:p>
+            <a:r>
+              <a:rPr lang="en-US" dirty="0"/>
+              <a:t>This instruction shifts the elements of vector upwards placing the carry out in a scalar register, and inputting</a:t>
+            </a:r>
+          </a:p>
+          <a:p>
+            <a:r>
+              <a:rPr lang="en-US" dirty="0"/>
+              <a:t>The carry in from a scalar register. This instruction may also perform a wide left shift operation, shifting by an arbitrary number of bits. To shift by elements Rs2 should be loaded with a multiple of the element size.</a:t>
+            </a:r>
+            <a:endParaRPr lang="en-CA" dirty="0"/>
+          </a:p>
+        </p:txBody>
+      </p:sp>
+      <p:sp>
+        <p:nvSpPr>
+          <p:cNvPr id="27" name="TextBox 26">
+            <a:extLst>
+              <a:ext uri="{FF2B5EF4-FFF2-40B4-BE49-F238E27FC236}">
+                <a16:creationId xmlns:a16="http://schemas.microsoft.com/office/drawing/2014/main" id="{D3A0D9E6-887B-4F95-1AE7-4D1FFE331EFD}"/>
+              </a:ext>
+            </a:extLst>
+          </p:cNvPr>
+          <p:cNvSpPr txBox="1"/>
+          <p:nvPr/>
+        </p:nvSpPr>
+        <p:spPr>
+          <a:xfrm>
+            <a:off x="2639174" y="3907404"/>
+            <a:ext cx="1364284" cy="369332"/>
+          </a:xfrm>
+          <a:prstGeom prst="rect">
+            <a:avLst/>
+          </a:prstGeom>
+          <a:noFill/>
+        </p:spPr>
+        <p:txBody>
+          <a:bodyPr wrap="none" rtlCol="0">
+            <a:spAutoFit/>
+          </a:bodyPr>
+          <a:lstStyle/>
+          <a:p>
+            <a:r>
+              <a:rPr lang="en-US" dirty="0"/>
+              <a:t>Rs1 (vector)</a:t>
+            </a:r>
+            <a:endParaRPr lang="en-CA" dirty="0"/>
+          </a:p>
+        </p:txBody>
+      </p:sp>
+      <p:sp>
+        <p:nvSpPr>
+          <p:cNvPr id="28" name="Left Brace 27">
+            <a:extLst>
+              <a:ext uri="{FF2B5EF4-FFF2-40B4-BE49-F238E27FC236}">
+                <a16:creationId xmlns:a16="http://schemas.microsoft.com/office/drawing/2014/main" id="{7D381CFF-44AD-E915-FEBE-15D3AFC3E7ED}"/>
+              </a:ext>
+            </a:extLst>
+          </p:cNvPr>
+          <p:cNvSpPr/>
+          <p:nvPr/>
+        </p:nvSpPr>
+        <p:spPr>
+          <a:xfrm rot="5400000">
+            <a:off x="3220795" y="2557615"/>
+            <a:ext cx="201042" cy="3621545"/>
+          </a:xfrm>
+          <a:prstGeom prst="leftBrace">
+            <a:avLst/>
+          </a:prstGeom>
+        </p:spPr>
+        <p:style>
+          <a:lnRef idx="2">
+            <a:schemeClr val="accent1"/>
+          </a:lnRef>
+          <a:fillRef idx="0">
+            <a:schemeClr val="accent1"/>
+          </a:fillRef>
+          <a:effectRef idx="1">
+            <a:schemeClr val="accent1"/>
+          </a:effectRef>
+          <a:fontRef idx="minor">
+            <a:schemeClr val="tx1"/>
+          </a:fontRef>
+        </p:style>
+        <p:txBody>
+          <a:bodyPr rtlCol="0" anchor="ctr"/>
+          <a:lstStyle/>
+          <a:p>
+            <a:pPr algn="ctr"/>
+            <a:endParaRPr lang="en-CA"/>
+          </a:p>
+        </p:txBody>
+      </p:sp>
+      <p:sp>
+        <p:nvSpPr>
+          <p:cNvPr id="29" name="TextBox 28">
+            <a:extLst>
+              <a:ext uri="{FF2B5EF4-FFF2-40B4-BE49-F238E27FC236}">
+                <a16:creationId xmlns:a16="http://schemas.microsoft.com/office/drawing/2014/main" id="{81E016D3-3894-2272-05FD-8D511886BDEA}"/>
+              </a:ext>
+            </a:extLst>
+          </p:cNvPr>
+          <p:cNvSpPr txBox="1"/>
+          <p:nvPr/>
+        </p:nvSpPr>
+        <p:spPr>
+          <a:xfrm>
+            <a:off x="5325519" y="3941370"/>
+            <a:ext cx="1356718" cy="369332"/>
+          </a:xfrm>
+          <a:prstGeom prst="rect">
+            <a:avLst/>
+          </a:prstGeom>
+          <a:noFill/>
+        </p:spPr>
+        <p:txBody>
+          <a:bodyPr wrap="none" rtlCol="0">
+            <a:spAutoFit/>
+          </a:bodyPr>
+          <a:lstStyle/>
+          <a:p>
+            <a:r>
+              <a:rPr lang="en-US" dirty="0"/>
+              <a:t>Rs3 (scalar)</a:t>
+            </a:r>
+            <a:endParaRPr lang="en-CA" dirty="0"/>
+          </a:p>
+        </p:txBody>
+      </p:sp>
+      <p:sp>
+        <p:nvSpPr>
+          <p:cNvPr id="30" name="Left Brace 29">
+            <a:extLst>
+              <a:ext uri="{FF2B5EF4-FFF2-40B4-BE49-F238E27FC236}">
+                <a16:creationId xmlns:a16="http://schemas.microsoft.com/office/drawing/2014/main" id="{2E1AFFA0-F39F-E833-2D64-E28B291201E4}"/>
+              </a:ext>
+            </a:extLst>
+          </p:cNvPr>
+          <p:cNvSpPr/>
+          <p:nvPr/>
+        </p:nvSpPr>
+        <p:spPr>
+          <a:xfrm rot="5400000">
+            <a:off x="5517736" y="3924043"/>
+            <a:ext cx="175332" cy="914400"/>
+          </a:xfrm>
+          <a:prstGeom prst="leftBrace">
+            <a:avLst>
+              <a:gd name="adj1" fmla="val 8333"/>
+              <a:gd name="adj2" fmla="val 49020"/>
+            </a:avLst>
+          </a:prstGeom>
+        </p:spPr>
+        <p:style>
+          <a:lnRef idx="2">
+            <a:schemeClr val="accent1"/>
+          </a:lnRef>
+          <a:fillRef idx="0">
+            <a:schemeClr val="accent1"/>
+          </a:fillRef>
+          <a:effectRef idx="1">
+            <a:schemeClr val="accent1"/>
+          </a:effectRef>
+          <a:fontRef idx="minor">
+            <a:schemeClr val="tx1"/>
+          </a:fontRef>
+        </p:style>
+        <p:txBody>
+          <a:bodyPr rtlCol="0" anchor="ctr"/>
+          <a:lstStyle/>
+          <a:p>
+            <a:pPr algn="ctr"/>
+            <a:endParaRPr lang="en-CA"/>
+          </a:p>
+        </p:txBody>
+      </p:sp>
+      <p:sp>
+        <p:nvSpPr>
+          <p:cNvPr id="33" name="Left Brace 32">
+            <a:extLst>
+              <a:ext uri="{FF2B5EF4-FFF2-40B4-BE49-F238E27FC236}">
+                <a16:creationId xmlns:a16="http://schemas.microsoft.com/office/drawing/2014/main" id="{C377C748-A526-8E9A-182A-C94E7427C830}"/>
+              </a:ext>
+            </a:extLst>
+          </p:cNvPr>
+          <p:cNvSpPr/>
+          <p:nvPr/>
+        </p:nvSpPr>
+        <p:spPr>
+          <a:xfrm rot="16200000">
+            <a:off x="4135194" y="4000933"/>
+            <a:ext cx="201042" cy="3621545"/>
+          </a:xfrm>
+          <a:prstGeom prst="leftBrace">
+            <a:avLst/>
+          </a:prstGeom>
+        </p:spPr>
+        <p:style>
+          <a:lnRef idx="2">
+            <a:schemeClr val="accent1"/>
+          </a:lnRef>
+          <a:fillRef idx="0">
+            <a:schemeClr val="accent1"/>
+          </a:fillRef>
+          <a:effectRef idx="1">
+            <a:schemeClr val="accent1"/>
+          </a:effectRef>
+          <a:fontRef idx="minor">
+            <a:schemeClr val="tx1"/>
+          </a:fontRef>
+        </p:style>
+        <p:txBody>
+          <a:bodyPr rtlCol="0" anchor="ctr"/>
+          <a:lstStyle/>
+          <a:p>
+            <a:pPr algn="ctr"/>
+            <a:endParaRPr lang="en-CA"/>
+          </a:p>
+        </p:txBody>
+      </p:sp>
+      <p:sp>
+        <p:nvSpPr>
+          <p:cNvPr id="34" name="TextBox 33">
+            <a:extLst>
+              <a:ext uri="{FF2B5EF4-FFF2-40B4-BE49-F238E27FC236}">
+                <a16:creationId xmlns:a16="http://schemas.microsoft.com/office/drawing/2014/main" id="{14824767-6A07-34B2-6B81-4FD1584F8D8B}"/>
+              </a:ext>
+            </a:extLst>
+          </p:cNvPr>
+          <p:cNvSpPr txBox="1"/>
+          <p:nvPr/>
+        </p:nvSpPr>
+        <p:spPr>
+          <a:xfrm>
+            <a:off x="3625689" y="5862664"/>
+            <a:ext cx="1258486" cy="369332"/>
+          </a:xfrm>
+          <a:prstGeom prst="rect">
+            <a:avLst/>
+          </a:prstGeom>
+          <a:noFill/>
+        </p:spPr>
+        <p:txBody>
+          <a:bodyPr wrap="none" rtlCol="0">
+            <a:spAutoFit/>
+          </a:bodyPr>
+          <a:lstStyle/>
+          <a:p>
+            <a:r>
+              <a:rPr lang="en-US" dirty="0"/>
+              <a:t>Rd (vector)</a:t>
+            </a:r>
+            <a:endParaRPr lang="en-CA" dirty="0"/>
+          </a:p>
+        </p:txBody>
+      </p:sp>
+      <p:sp>
+        <p:nvSpPr>
+          <p:cNvPr id="35" name="Left Brace 34">
+            <a:extLst>
+              <a:ext uri="{FF2B5EF4-FFF2-40B4-BE49-F238E27FC236}">
+                <a16:creationId xmlns:a16="http://schemas.microsoft.com/office/drawing/2014/main" id="{B5976CF0-6FA8-16D2-82AE-2D5DA15C4412}"/>
+              </a:ext>
+            </a:extLst>
+          </p:cNvPr>
+          <p:cNvSpPr/>
+          <p:nvPr/>
+        </p:nvSpPr>
+        <p:spPr>
+          <a:xfrm rot="16200000">
+            <a:off x="1839606" y="5341650"/>
+            <a:ext cx="175332" cy="914400"/>
+          </a:xfrm>
+          <a:prstGeom prst="leftBrace">
+            <a:avLst>
+              <a:gd name="adj1" fmla="val 8333"/>
+              <a:gd name="adj2" fmla="val 49020"/>
+            </a:avLst>
+          </a:prstGeom>
+        </p:spPr>
+        <p:style>
+          <a:lnRef idx="2">
+            <a:schemeClr val="accent1"/>
+          </a:lnRef>
+          <a:fillRef idx="0">
+            <a:schemeClr val="accent1"/>
+          </a:fillRef>
+          <a:effectRef idx="1">
+            <a:schemeClr val="accent1"/>
+          </a:effectRef>
+          <a:fontRef idx="minor">
+            <a:schemeClr val="tx1"/>
+          </a:fontRef>
+        </p:style>
+        <p:txBody>
+          <a:bodyPr rtlCol="0" anchor="ctr"/>
+          <a:lstStyle/>
+          <a:p>
+            <a:pPr algn="ctr"/>
+            <a:endParaRPr lang="en-CA"/>
+          </a:p>
+        </p:txBody>
+      </p:sp>
+      <p:sp>
+        <p:nvSpPr>
+          <p:cNvPr id="36" name="TextBox 35">
+            <a:extLst>
+              <a:ext uri="{FF2B5EF4-FFF2-40B4-BE49-F238E27FC236}">
+                <a16:creationId xmlns:a16="http://schemas.microsoft.com/office/drawing/2014/main" id="{5FA934FC-967F-B561-79D6-B8A31842E792}"/>
+              </a:ext>
+            </a:extLst>
+          </p:cNvPr>
+          <p:cNvSpPr txBox="1"/>
+          <p:nvPr/>
+        </p:nvSpPr>
+        <p:spPr>
+          <a:xfrm>
+            <a:off x="1163987" y="5862664"/>
+            <a:ext cx="1374351" cy="369332"/>
+          </a:xfrm>
+          <a:prstGeom prst="rect">
+            <a:avLst/>
+          </a:prstGeom>
+          <a:noFill/>
+        </p:spPr>
+        <p:txBody>
+          <a:bodyPr wrap="none" rtlCol="0">
+            <a:spAutoFit/>
+          </a:bodyPr>
+          <a:lstStyle/>
+          <a:p>
+            <a:r>
+              <a:rPr lang="en-US" dirty="0"/>
+              <a:t>Rd2 (scalar)</a:t>
+            </a:r>
+            <a:endParaRPr lang="en-CA" dirty="0"/>
+          </a:p>
+        </p:txBody>
+      </p:sp>
+      <p:graphicFrame>
+        <p:nvGraphicFramePr>
+          <p:cNvPr id="37" name="Object 36">
+            <a:extLst>
+              <a:ext uri="{FF2B5EF4-FFF2-40B4-BE49-F238E27FC236}">
+                <a16:creationId xmlns:a16="http://schemas.microsoft.com/office/drawing/2014/main" id="{3D2065E2-F90A-25C5-B3D3-15E1D3EBD26B}"/>
+              </a:ext>
+            </a:extLst>
+          </p:cNvPr>
+          <p:cNvGraphicFramePr>
+            <a:graphicFrameLocks noChangeAspect="1"/>
+          </p:cNvGraphicFramePr>
+          <p:nvPr>
+            <p:extLst>
+              <p:ext uri="{D42A27DB-BD31-4B8C-83A1-F6EECF244321}">
+                <p14:modId xmlns:p14="http://schemas.microsoft.com/office/powerpoint/2010/main" val="2432878774"/>
+              </p:ext>
+            </p:extLst>
+          </p:nvPr>
+        </p:nvGraphicFramePr>
+        <p:xfrm>
+          <a:off x="1163987" y="3164148"/>
+          <a:ext cx="5940425" cy="768350"/>
+        </p:xfrm>
+        <a:graphic>
+          <a:graphicData uri="http://schemas.openxmlformats.org/presentationml/2006/ole">
+            <mc:AlternateContent xmlns:mc="http://schemas.openxmlformats.org/markup-compatibility/2006">
+              <mc:Choice xmlns:v="urn:schemas-microsoft-com:vml" Requires="v">
+                <p:oleObj name="Document" r:id="rId2" imgW="5940848" imgH="767899" progId="Word.Document.12">
+                  <p:embed/>
+                </p:oleObj>
+              </mc:Choice>
+              <mc:Fallback>
+                <p:oleObj name="Document" r:id="rId2" imgW="5940848" imgH="767899" progId="Word.Document.12">
+                  <p:embed/>
+                  <p:pic>
+                    <p:nvPicPr>
+                      <p:cNvPr id="37" name="Object 36">
+                        <a:extLst>
+                          <a:ext uri="{FF2B5EF4-FFF2-40B4-BE49-F238E27FC236}">
+                            <a16:creationId xmlns:a16="http://schemas.microsoft.com/office/drawing/2014/main" id="{3D2065E2-F90A-25C5-B3D3-15E1D3EBD26B}"/>
+                          </a:ext>
+                        </a:extLst>
+                      </p:cNvPr>
+                      <p:cNvPicPr/>
+                      <p:nvPr/>
+                    </p:nvPicPr>
+                    <p:blipFill>
+                      <a:blip r:embed="rId3"/>
+                      <a:stretch>
+                        <a:fillRect/>
+                      </a:stretch>
+                    </p:blipFill>
+                    <p:spPr>
+                      <a:xfrm>
+                        <a:off x="1163987" y="3164148"/>
+                        <a:ext cx="5940425" cy="768350"/>
+                      </a:xfrm>
+                      <a:prstGeom prst="rect">
+                        <a:avLst/>
+                      </a:prstGeom>
+                    </p:spPr>
+                  </p:pic>
+                </p:oleObj>
+              </mc:Fallback>
+            </mc:AlternateContent>
+          </a:graphicData>
+        </a:graphic>
+      </p:graphicFrame>
+      <p:sp>
+        <p:nvSpPr>
+          <p:cNvPr id="38" name="TextBox 37">
+            <a:extLst>
+              <a:ext uri="{FF2B5EF4-FFF2-40B4-BE49-F238E27FC236}">
+                <a16:creationId xmlns:a16="http://schemas.microsoft.com/office/drawing/2014/main" id="{36F05E50-5922-AA95-CEA1-5C080B2F7C6D}"/>
+              </a:ext>
+            </a:extLst>
+          </p:cNvPr>
+          <p:cNvSpPr txBox="1"/>
+          <p:nvPr/>
+        </p:nvSpPr>
+        <p:spPr>
+          <a:xfrm>
+            <a:off x="215153" y="2803069"/>
+            <a:ext cx="2095510" cy="369332"/>
+          </a:xfrm>
+          <a:prstGeom prst="rect">
+            <a:avLst/>
+          </a:prstGeom>
+          <a:noFill/>
+        </p:spPr>
+        <p:txBody>
+          <a:bodyPr wrap="none" rtlCol="0">
+            <a:spAutoFit/>
+          </a:bodyPr>
+          <a:lstStyle/>
+          <a:p>
+            <a:r>
+              <a:rPr lang="en-US" dirty="0"/>
+              <a:t>Instruction Format:</a:t>
+            </a:r>
+            <a:endParaRPr lang="en-CA" dirty="0"/>
+          </a:p>
+        </p:txBody>
+      </p:sp>
+    </p:spTree>
+    <p:extLst>
+      <p:ext uri="{BB962C8B-B14F-4D97-AF65-F5344CB8AC3E}">
+        <p14:creationId xmlns:p14="http://schemas.microsoft.com/office/powerpoint/2010/main" val="1699936056"/>
+      </p:ext>
+    </p:extLst>
+  </p:cSld>
+  <p:clrMapOvr>
+    <a:masterClrMapping/>
+  </p:clrMapOvr>
+</p:sld>
+</file>
+
+<file path=ppt/slides/slide6.xml><?xml version="1.0" encoding="utf-8"?>
+<p:sld xmlns:a="http://schemas.openxmlformats.org/drawingml/2006/main" xmlns:r="http://schemas.openxmlformats.org/officeDocument/2006/relationships" xmlns:p="http://schemas.openxmlformats.org/presentationml/2006/main">
+  <p:cSld>
+    <p:spTree>
+      <p:nvGrpSpPr>
+        <p:cNvPr id="1" name="">
+          <a:extLst>
+            <a:ext uri="{FF2B5EF4-FFF2-40B4-BE49-F238E27FC236}">
+              <a16:creationId xmlns:a16="http://schemas.microsoft.com/office/drawing/2014/main" id="{3F3CF4F9-9972-C609-D96F-0A06E69D489F}"/>
+            </a:ext>
+          </a:extLst>
+        </p:cNvPr>
+        <p:cNvGrpSpPr/>
+        <p:nvPr/>
+      </p:nvGrpSpPr>
+      <p:grpSpPr>
+        <a:xfrm>
+          <a:off x="0" y="0"/>
+          <a:ext cx="0" cy="0"/>
+          <a:chOff x="0" y="0"/>
+          <a:chExt cx="0" cy="0"/>
+        </a:xfrm>
+      </p:grpSpPr>
+      <p:sp>
+        <p:nvSpPr>
+          <p:cNvPr id="3" name="Rectangle 2">
+            <a:extLst>
+              <a:ext uri="{FF2B5EF4-FFF2-40B4-BE49-F238E27FC236}">
+                <a16:creationId xmlns:a16="http://schemas.microsoft.com/office/drawing/2014/main" id="{0C27144C-E161-16AF-2F75-07601999C4A1}"/>
+              </a:ext>
+            </a:extLst>
+          </p:cNvPr>
+          <p:cNvSpPr/>
+          <p:nvPr/>
+        </p:nvSpPr>
+        <p:spPr>
+          <a:xfrm>
+            <a:off x="2101890" y="4575542"/>
+            <a:ext cx="914400" cy="304800"/>
+          </a:xfrm>
+          <a:prstGeom prst="rect">
+            <a:avLst/>
+          </a:prstGeom>
+        </p:spPr>
+        <p:style>
+          <a:lnRef idx="2">
+            <a:schemeClr val="accent1">
+              <a:shade val="15000"/>
+            </a:schemeClr>
+          </a:lnRef>
+          <a:fillRef idx="1">
+            <a:schemeClr val="accent1"/>
+          </a:fillRef>
+          <a:effectRef idx="0">
+            <a:schemeClr val="accent1"/>
+          </a:effectRef>
+          <a:fontRef idx="minor">
+            <a:schemeClr val="lt1"/>
+          </a:fontRef>
+        </p:style>
+        <p:txBody>
+          <a:bodyPr rtlCol="0" anchor="ctr"/>
+          <a:lstStyle/>
+          <a:p>
+            <a:pPr algn="ctr"/>
+            <a:r>
+              <a:rPr lang="en-US" sz="1200" dirty="0"/>
+              <a:t>Lane 3</a:t>
+            </a:r>
+            <a:endParaRPr lang="en-CA" sz="1200" dirty="0"/>
+          </a:p>
+        </p:txBody>
+      </p:sp>
+      <p:sp>
+        <p:nvSpPr>
+          <p:cNvPr id="4" name="Rectangle 3">
+            <a:extLst>
+              <a:ext uri="{FF2B5EF4-FFF2-40B4-BE49-F238E27FC236}">
+                <a16:creationId xmlns:a16="http://schemas.microsoft.com/office/drawing/2014/main" id="{969FEC7A-DF77-391B-AFB0-9F862587FF59}"/>
+              </a:ext>
+            </a:extLst>
+          </p:cNvPr>
+          <p:cNvSpPr/>
+          <p:nvPr/>
+        </p:nvSpPr>
+        <p:spPr>
+          <a:xfrm>
+            <a:off x="3016290" y="4575542"/>
+            <a:ext cx="914400" cy="304800"/>
+          </a:xfrm>
+          <a:prstGeom prst="rect">
+            <a:avLst/>
+          </a:prstGeom>
+        </p:spPr>
+        <p:style>
+          <a:lnRef idx="2">
+            <a:schemeClr val="accent1">
+              <a:shade val="15000"/>
+            </a:schemeClr>
+          </a:lnRef>
+          <a:fillRef idx="1">
+            <a:schemeClr val="accent1"/>
+          </a:fillRef>
+          <a:effectRef idx="0">
+            <a:schemeClr val="accent1"/>
+          </a:effectRef>
+          <a:fontRef idx="minor">
+            <a:schemeClr val="lt1"/>
+          </a:fontRef>
+        </p:style>
+        <p:txBody>
+          <a:bodyPr rtlCol="0" anchor="ctr"/>
+          <a:lstStyle/>
+          <a:p>
+            <a:pPr algn="ctr"/>
+            <a:r>
+              <a:rPr lang="en-US" sz="1200" dirty="0"/>
+              <a:t>Lane 2</a:t>
+            </a:r>
+            <a:endParaRPr lang="en-CA" sz="1200" dirty="0"/>
+          </a:p>
+        </p:txBody>
+      </p:sp>
+      <p:sp>
+        <p:nvSpPr>
+          <p:cNvPr id="5" name="Rectangle 4">
+            <a:extLst>
+              <a:ext uri="{FF2B5EF4-FFF2-40B4-BE49-F238E27FC236}">
+                <a16:creationId xmlns:a16="http://schemas.microsoft.com/office/drawing/2014/main" id="{137CA601-62E6-05AC-5D08-C94F23CA948A}"/>
+              </a:ext>
+            </a:extLst>
+          </p:cNvPr>
+          <p:cNvSpPr/>
+          <p:nvPr/>
+        </p:nvSpPr>
+        <p:spPr>
+          <a:xfrm>
+            <a:off x="3930690" y="4575542"/>
+            <a:ext cx="914400" cy="304800"/>
+          </a:xfrm>
+          <a:prstGeom prst="rect">
+            <a:avLst/>
+          </a:prstGeom>
+        </p:spPr>
+        <p:style>
+          <a:lnRef idx="2">
+            <a:schemeClr val="accent1">
+              <a:shade val="15000"/>
+            </a:schemeClr>
+          </a:lnRef>
+          <a:fillRef idx="1">
+            <a:schemeClr val="accent1"/>
+          </a:fillRef>
+          <a:effectRef idx="0">
+            <a:schemeClr val="accent1"/>
+          </a:effectRef>
+          <a:fontRef idx="minor">
+            <a:schemeClr val="lt1"/>
+          </a:fontRef>
+        </p:style>
+        <p:txBody>
+          <a:bodyPr rtlCol="0" anchor="ctr"/>
+          <a:lstStyle/>
+          <a:p>
+            <a:pPr algn="ctr"/>
+            <a:r>
+              <a:rPr lang="en-US" sz="1200" dirty="0"/>
+              <a:t>Lane 1</a:t>
+            </a:r>
+            <a:endParaRPr lang="en-CA" sz="1200" dirty="0"/>
+          </a:p>
+        </p:txBody>
+      </p:sp>
+      <p:sp>
+        <p:nvSpPr>
+          <p:cNvPr id="6" name="Rectangle 5">
+            <a:extLst>
+              <a:ext uri="{FF2B5EF4-FFF2-40B4-BE49-F238E27FC236}">
+                <a16:creationId xmlns:a16="http://schemas.microsoft.com/office/drawing/2014/main" id="{95AFF1C6-326A-BD27-EFB4-A704A351C1E3}"/>
+              </a:ext>
+            </a:extLst>
+          </p:cNvPr>
+          <p:cNvSpPr/>
+          <p:nvPr/>
+        </p:nvSpPr>
+        <p:spPr>
+          <a:xfrm>
+            <a:off x="4845090" y="4575542"/>
+            <a:ext cx="914400" cy="304800"/>
+          </a:xfrm>
+          <a:prstGeom prst="rect">
+            <a:avLst/>
+          </a:prstGeom>
+        </p:spPr>
+        <p:style>
+          <a:lnRef idx="2">
+            <a:schemeClr val="accent1">
+              <a:shade val="15000"/>
+            </a:schemeClr>
+          </a:lnRef>
+          <a:fillRef idx="1">
+            <a:schemeClr val="accent1"/>
+          </a:fillRef>
+          <a:effectRef idx="0">
+            <a:schemeClr val="accent1"/>
+          </a:effectRef>
+          <a:fontRef idx="minor">
+            <a:schemeClr val="lt1"/>
+          </a:fontRef>
+        </p:style>
+        <p:txBody>
+          <a:bodyPr rtlCol="0" anchor="ctr"/>
+          <a:lstStyle/>
+          <a:p>
+            <a:pPr algn="ctr"/>
+            <a:r>
+              <a:rPr lang="en-US" sz="1200" dirty="0"/>
+              <a:t>Lane 0</a:t>
+            </a:r>
+            <a:endParaRPr lang="en-CA" sz="1200" dirty="0"/>
+          </a:p>
+        </p:txBody>
+      </p:sp>
+      <p:sp>
+        <p:nvSpPr>
+          <p:cNvPr id="7" name="Rectangle 6">
+            <a:extLst>
+              <a:ext uri="{FF2B5EF4-FFF2-40B4-BE49-F238E27FC236}">
+                <a16:creationId xmlns:a16="http://schemas.microsoft.com/office/drawing/2014/main" id="{50966088-AC4E-A775-4D9D-5005DB07460A}"/>
+              </a:ext>
+            </a:extLst>
+          </p:cNvPr>
+          <p:cNvSpPr/>
+          <p:nvPr/>
+        </p:nvSpPr>
+        <p:spPr>
+          <a:xfrm>
+            <a:off x="1174881" y="5280116"/>
+            <a:ext cx="914400" cy="304800"/>
+          </a:xfrm>
+          <a:prstGeom prst="rect">
+            <a:avLst/>
+          </a:prstGeom>
+        </p:spPr>
+        <p:style>
+          <a:lnRef idx="2">
+            <a:schemeClr val="accent1">
+              <a:shade val="15000"/>
+            </a:schemeClr>
+          </a:lnRef>
+          <a:fillRef idx="1">
+            <a:schemeClr val="accent1"/>
+          </a:fillRef>
+          <a:effectRef idx="0">
+            <a:schemeClr val="accent1"/>
+          </a:effectRef>
+          <a:fontRef idx="minor">
+            <a:schemeClr val="lt1"/>
+          </a:fontRef>
+        </p:style>
+        <p:txBody>
+          <a:bodyPr rtlCol="0" anchor="ctr"/>
+          <a:lstStyle/>
+          <a:p>
+            <a:pPr algn="ctr"/>
+            <a:r>
+              <a:rPr lang="en-US" sz="1200" dirty="0"/>
+              <a:t>Lane 3</a:t>
+            </a:r>
+            <a:endParaRPr lang="en-CA" sz="1200" dirty="0"/>
+          </a:p>
+        </p:txBody>
+      </p:sp>
+      <p:sp>
+        <p:nvSpPr>
+          <p:cNvPr id="8" name="Rectangle 7">
+            <a:extLst>
+              <a:ext uri="{FF2B5EF4-FFF2-40B4-BE49-F238E27FC236}">
+                <a16:creationId xmlns:a16="http://schemas.microsoft.com/office/drawing/2014/main" id="{BE7773AA-B94A-BB70-ACBB-CB78A1A011B3}"/>
+              </a:ext>
+            </a:extLst>
+          </p:cNvPr>
+          <p:cNvSpPr/>
+          <p:nvPr/>
+        </p:nvSpPr>
+        <p:spPr>
+          <a:xfrm>
+            <a:off x="2089281" y="5280116"/>
+            <a:ext cx="914400" cy="304800"/>
+          </a:xfrm>
+          <a:prstGeom prst="rect">
+            <a:avLst/>
+          </a:prstGeom>
+        </p:spPr>
+        <p:style>
+          <a:lnRef idx="2">
+            <a:schemeClr val="accent1">
+              <a:shade val="15000"/>
+            </a:schemeClr>
+          </a:lnRef>
+          <a:fillRef idx="1">
+            <a:schemeClr val="accent1"/>
+          </a:fillRef>
+          <a:effectRef idx="0">
+            <a:schemeClr val="accent1"/>
+          </a:effectRef>
+          <a:fontRef idx="minor">
+            <a:schemeClr val="lt1"/>
+          </a:fontRef>
+        </p:style>
+        <p:txBody>
+          <a:bodyPr rtlCol="0" anchor="ctr"/>
+          <a:lstStyle/>
+          <a:p>
+            <a:pPr algn="ctr"/>
+            <a:r>
+              <a:rPr lang="en-US" sz="1200" dirty="0"/>
+              <a:t>Lane 2</a:t>
+            </a:r>
+            <a:endParaRPr lang="en-CA" sz="1200" dirty="0"/>
+          </a:p>
+        </p:txBody>
+      </p:sp>
+      <p:sp>
+        <p:nvSpPr>
+          <p:cNvPr id="9" name="Rectangle 8">
+            <a:extLst>
+              <a:ext uri="{FF2B5EF4-FFF2-40B4-BE49-F238E27FC236}">
+                <a16:creationId xmlns:a16="http://schemas.microsoft.com/office/drawing/2014/main" id="{C19D3401-260A-B244-2C43-90D8FEBECAD4}"/>
+              </a:ext>
+            </a:extLst>
+          </p:cNvPr>
+          <p:cNvSpPr/>
+          <p:nvPr/>
+        </p:nvSpPr>
+        <p:spPr>
+          <a:xfrm>
+            <a:off x="3003681" y="5280116"/>
+            <a:ext cx="914400" cy="304800"/>
+          </a:xfrm>
+          <a:prstGeom prst="rect">
+            <a:avLst/>
+          </a:prstGeom>
+        </p:spPr>
+        <p:style>
+          <a:lnRef idx="2">
+            <a:schemeClr val="accent1">
+              <a:shade val="15000"/>
+            </a:schemeClr>
+          </a:lnRef>
+          <a:fillRef idx="1">
+            <a:schemeClr val="accent1"/>
+          </a:fillRef>
+          <a:effectRef idx="0">
+            <a:schemeClr val="accent1"/>
+          </a:effectRef>
+          <a:fontRef idx="minor">
+            <a:schemeClr val="lt1"/>
+          </a:fontRef>
+        </p:style>
+        <p:txBody>
+          <a:bodyPr rtlCol="0" anchor="ctr"/>
+          <a:lstStyle/>
+          <a:p>
+            <a:pPr algn="ctr"/>
+            <a:r>
+              <a:rPr lang="en-US" sz="1200" dirty="0"/>
+              <a:t>Lane 1</a:t>
+            </a:r>
+            <a:endParaRPr lang="en-CA" sz="1200" dirty="0"/>
+          </a:p>
+        </p:txBody>
+      </p:sp>
+      <p:sp>
+        <p:nvSpPr>
+          <p:cNvPr id="10" name="Rectangle 9">
+            <a:extLst>
+              <a:ext uri="{FF2B5EF4-FFF2-40B4-BE49-F238E27FC236}">
+                <a16:creationId xmlns:a16="http://schemas.microsoft.com/office/drawing/2014/main" id="{8D287215-5DBC-D0AF-3161-0E18C324DD1D}"/>
+              </a:ext>
+            </a:extLst>
+          </p:cNvPr>
+          <p:cNvSpPr/>
+          <p:nvPr/>
+        </p:nvSpPr>
+        <p:spPr>
+          <a:xfrm>
+            <a:off x="4832481" y="5280116"/>
+            <a:ext cx="914400" cy="304800"/>
+          </a:xfrm>
+          <a:prstGeom prst="rect">
+            <a:avLst/>
+          </a:prstGeom>
+        </p:spPr>
+        <p:style>
+          <a:lnRef idx="2">
+            <a:schemeClr val="accent1">
+              <a:shade val="15000"/>
+            </a:schemeClr>
+          </a:lnRef>
+          <a:fillRef idx="1">
+            <a:schemeClr val="accent1"/>
+          </a:fillRef>
+          <a:effectRef idx="0">
+            <a:schemeClr val="accent1"/>
+          </a:effectRef>
+          <a:fontRef idx="minor">
+            <a:schemeClr val="lt1"/>
+          </a:fontRef>
+        </p:style>
+        <p:txBody>
+          <a:bodyPr rtlCol="0" anchor="ctr"/>
+          <a:lstStyle/>
+          <a:p>
+            <a:pPr algn="ctr"/>
+            <a:r>
+              <a:rPr lang="en-US" sz="1200" dirty="0"/>
+              <a:t>Carry out</a:t>
+            </a:r>
+            <a:endParaRPr lang="en-CA" sz="1200" dirty="0"/>
+          </a:p>
+        </p:txBody>
+      </p:sp>
+      <p:sp>
+        <p:nvSpPr>
+          <p:cNvPr id="11" name="Rectangle 10">
+            <a:extLst>
+              <a:ext uri="{FF2B5EF4-FFF2-40B4-BE49-F238E27FC236}">
+                <a16:creationId xmlns:a16="http://schemas.microsoft.com/office/drawing/2014/main" id="{48ADC30E-FE6F-5170-9C4F-53E6883FC9F2}"/>
+              </a:ext>
+            </a:extLst>
+          </p:cNvPr>
+          <p:cNvSpPr/>
+          <p:nvPr/>
+        </p:nvSpPr>
+        <p:spPr>
+          <a:xfrm>
+            <a:off x="1174881" y="4575542"/>
+            <a:ext cx="914400" cy="304800"/>
+          </a:xfrm>
+          <a:prstGeom prst="rect">
+            <a:avLst/>
+          </a:prstGeom>
+        </p:spPr>
+        <p:style>
+          <a:lnRef idx="2">
+            <a:schemeClr val="accent1">
+              <a:shade val="15000"/>
+            </a:schemeClr>
+          </a:lnRef>
+          <a:fillRef idx="1">
+            <a:schemeClr val="accent1"/>
+          </a:fillRef>
+          <a:effectRef idx="0">
+            <a:schemeClr val="accent1"/>
+          </a:effectRef>
+          <a:fontRef idx="minor">
+            <a:schemeClr val="lt1"/>
+          </a:fontRef>
+        </p:style>
+        <p:txBody>
+          <a:bodyPr rtlCol="0" anchor="ctr"/>
+          <a:lstStyle/>
+          <a:p>
+            <a:pPr algn="ctr"/>
+            <a:r>
+              <a:rPr lang="en-US" sz="1200" dirty="0"/>
+              <a:t>Carry In</a:t>
+            </a:r>
+            <a:endParaRPr lang="en-CA" sz="1200" dirty="0"/>
+          </a:p>
+        </p:txBody>
+      </p:sp>
+      <p:sp>
+        <p:nvSpPr>
+          <p:cNvPr id="12" name="Rectangle 11">
+            <a:extLst>
+              <a:ext uri="{FF2B5EF4-FFF2-40B4-BE49-F238E27FC236}">
+                <a16:creationId xmlns:a16="http://schemas.microsoft.com/office/drawing/2014/main" id="{5B12A6DC-BBC1-A9A2-147C-01B9E927D7AB}"/>
+              </a:ext>
+            </a:extLst>
+          </p:cNvPr>
+          <p:cNvSpPr/>
+          <p:nvPr/>
+        </p:nvSpPr>
+        <p:spPr>
+          <a:xfrm>
+            <a:off x="3918081" y="5280116"/>
+            <a:ext cx="914400" cy="304800"/>
+          </a:xfrm>
+          <a:prstGeom prst="rect">
+            <a:avLst/>
+          </a:prstGeom>
+        </p:spPr>
+        <p:style>
+          <a:lnRef idx="2">
+            <a:schemeClr val="accent1">
+              <a:shade val="15000"/>
+            </a:schemeClr>
+          </a:lnRef>
+          <a:fillRef idx="1">
+            <a:schemeClr val="accent1"/>
+          </a:fillRef>
+          <a:effectRef idx="0">
+            <a:schemeClr val="accent1"/>
+          </a:effectRef>
+          <a:fontRef idx="minor">
+            <a:schemeClr val="lt1"/>
+          </a:fontRef>
+        </p:style>
+        <p:txBody>
+          <a:bodyPr rtlCol="0" anchor="ctr"/>
+          <a:lstStyle/>
+          <a:p>
+            <a:pPr algn="ctr"/>
+            <a:r>
+              <a:rPr lang="en-US" sz="1200" dirty="0"/>
+              <a:t>Lane 0</a:t>
+            </a:r>
+            <a:endParaRPr lang="en-CA" sz="1200" dirty="0"/>
+          </a:p>
+        </p:txBody>
+      </p:sp>
+      <p:cxnSp>
+        <p:nvCxnSpPr>
+          <p:cNvPr id="14" name="Straight Arrow Connector 13">
+            <a:extLst>
+              <a:ext uri="{FF2B5EF4-FFF2-40B4-BE49-F238E27FC236}">
+                <a16:creationId xmlns:a16="http://schemas.microsoft.com/office/drawing/2014/main" id="{FD63B359-6F10-88F7-A56E-B4C1C364CC2D}"/>
+              </a:ext>
+            </a:extLst>
+          </p:cNvPr>
+          <p:cNvCxnSpPr>
+            <a:cxnSpLocks/>
+          </p:cNvCxnSpPr>
+          <p:nvPr/>
+        </p:nvCxnSpPr>
+        <p:spPr>
+          <a:xfrm>
+            <a:off x="1624534" y="4880342"/>
+            <a:ext cx="1" cy="394616"/>
+          </a:xfrm>
+          <a:prstGeom prst="straightConnector1">
+            <a:avLst/>
+          </a:prstGeom>
+          <a:ln>
+            <a:tailEnd type="triangle"/>
+          </a:ln>
+        </p:spPr>
+        <p:style>
+          <a:lnRef idx="2">
+            <a:schemeClr val="accent1"/>
+          </a:lnRef>
+          <a:fillRef idx="0">
+            <a:schemeClr val="accent1"/>
+          </a:fillRef>
+          <a:effectRef idx="1">
+            <a:schemeClr val="accent1"/>
+          </a:effectRef>
+          <a:fontRef idx="minor">
+            <a:schemeClr val="tx1"/>
+          </a:fontRef>
+        </p:style>
+      </p:cxnSp>
+      <p:cxnSp>
+        <p:nvCxnSpPr>
+          <p:cNvPr id="17" name="Straight Arrow Connector 16">
+            <a:extLst>
+              <a:ext uri="{FF2B5EF4-FFF2-40B4-BE49-F238E27FC236}">
+                <a16:creationId xmlns:a16="http://schemas.microsoft.com/office/drawing/2014/main" id="{12EF7A99-EDA2-1B51-C34D-6D2078FBC082}"/>
+              </a:ext>
+            </a:extLst>
+          </p:cNvPr>
+          <p:cNvCxnSpPr>
+            <a:cxnSpLocks/>
+          </p:cNvCxnSpPr>
+          <p:nvPr/>
+        </p:nvCxnSpPr>
+        <p:spPr>
+          <a:xfrm>
+            <a:off x="5286552" y="4893198"/>
+            <a:ext cx="0" cy="399774"/>
+          </a:xfrm>
+          <a:prstGeom prst="straightConnector1">
+            <a:avLst/>
+          </a:prstGeom>
+          <a:ln>
+            <a:tailEnd type="triangle"/>
+          </a:ln>
+        </p:spPr>
+        <p:style>
+          <a:lnRef idx="2">
+            <a:schemeClr val="accent1"/>
+          </a:lnRef>
+          <a:fillRef idx="0">
+            <a:schemeClr val="accent1"/>
+          </a:fillRef>
+          <a:effectRef idx="1">
+            <a:schemeClr val="accent1"/>
+          </a:effectRef>
+          <a:fontRef idx="minor">
+            <a:schemeClr val="tx1"/>
+          </a:fontRef>
+        </p:style>
+      </p:cxnSp>
+      <p:cxnSp>
+        <p:nvCxnSpPr>
+          <p:cNvPr id="19" name="Straight Arrow Connector 18">
+            <a:extLst>
+              <a:ext uri="{FF2B5EF4-FFF2-40B4-BE49-F238E27FC236}">
+                <a16:creationId xmlns:a16="http://schemas.microsoft.com/office/drawing/2014/main" id="{A0113844-248D-A86C-1E6E-B573C441D2F4}"/>
+              </a:ext>
+            </a:extLst>
+          </p:cNvPr>
+          <p:cNvCxnSpPr>
+            <a:cxnSpLocks/>
+          </p:cNvCxnSpPr>
+          <p:nvPr/>
+        </p:nvCxnSpPr>
+        <p:spPr>
+          <a:xfrm>
+            <a:off x="4375281" y="4893198"/>
+            <a:ext cx="0" cy="399774"/>
+          </a:xfrm>
+          <a:prstGeom prst="straightConnector1">
+            <a:avLst/>
+          </a:prstGeom>
+          <a:ln>
+            <a:tailEnd type="triangle"/>
+          </a:ln>
+        </p:spPr>
+        <p:style>
+          <a:lnRef idx="2">
+            <a:schemeClr val="accent1"/>
+          </a:lnRef>
+          <a:fillRef idx="0">
+            <a:schemeClr val="accent1"/>
+          </a:fillRef>
+          <a:effectRef idx="1">
+            <a:schemeClr val="accent1"/>
+          </a:effectRef>
+          <a:fontRef idx="minor">
+            <a:schemeClr val="tx1"/>
+          </a:fontRef>
+        </p:style>
+      </p:cxnSp>
+      <p:cxnSp>
+        <p:nvCxnSpPr>
+          <p:cNvPr id="21" name="Straight Arrow Connector 20">
+            <a:extLst>
+              <a:ext uri="{FF2B5EF4-FFF2-40B4-BE49-F238E27FC236}">
+                <a16:creationId xmlns:a16="http://schemas.microsoft.com/office/drawing/2014/main" id="{69036756-F6F1-FBAA-368A-83B73505C38C}"/>
+              </a:ext>
+            </a:extLst>
+          </p:cNvPr>
+          <p:cNvCxnSpPr>
+            <a:cxnSpLocks/>
+          </p:cNvCxnSpPr>
+          <p:nvPr/>
+        </p:nvCxnSpPr>
+        <p:spPr>
+          <a:xfrm>
+            <a:off x="3460881" y="4877763"/>
+            <a:ext cx="0" cy="399774"/>
+          </a:xfrm>
+          <a:prstGeom prst="straightConnector1">
+            <a:avLst/>
+          </a:prstGeom>
+          <a:ln>
+            <a:tailEnd type="triangle"/>
+          </a:ln>
+        </p:spPr>
+        <p:style>
+          <a:lnRef idx="2">
+            <a:schemeClr val="accent1"/>
+          </a:lnRef>
+          <a:fillRef idx="0">
+            <a:schemeClr val="accent1"/>
+          </a:fillRef>
+          <a:effectRef idx="1">
+            <a:schemeClr val="accent1"/>
+          </a:effectRef>
+          <a:fontRef idx="minor">
+            <a:schemeClr val="tx1"/>
+          </a:fontRef>
+        </p:style>
+      </p:cxnSp>
+      <p:cxnSp>
+        <p:nvCxnSpPr>
+          <p:cNvPr id="23" name="Straight Arrow Connector 22">
+            <a:extLst>
+              <a:ext uri="{FF2B5EF4-FFF2-40B4-BE49-F238E27FC236}">
+                <a16:creationId xmlns:a16="http://schemas.microsoft.com/office/drawing/2014/main" id="{013953BD-FADC-5892-E158-32C9E7B4410B}"/>
+              </a:ext>
+            </a:extLst>
+          </p:cNvPr>
+          <p:cNvCxnSpPr>
+            <a:cxnSpLocks/>
+          </p:cNvCxnSpPr>
+          <p:nvPr/>
+        </p:nvCxnSpPr>
+        <p:spPr>
+          <a:xfrm flipH="1">
+            <a:off x="2534517" y="4893198"/>
+            <a:ext cx="4417" cy="399774"/>
+          </a:xfrm>
+          <a:prstGeom prst="straightConnector1">
+            <a:avLst/>
+          </a:prstGeom>
+          <a:ln>
+            <a:tailEnd type="triangle"/>
+          </a:ln>
+        </p:spPr>
+        <p:style>
+          <a:lnRef idx="2">
+            <a:schemeClr val="accent1"/>
+          </a:lnRef>
+          <a:fillRef idx="0">
+            <a:schemeClr val="accent1"/>
+          </a:fillRef>
+          <a:effectRef idx="1">
+            <a:schemeClr val="accent1"/>
+          </a:effectRef>
+          <a:fontRef idx="minor">
+            <a:schemeClr val="tx1"/>
+          </a:fontRef>
+        </p:style>
+      </p:cxnSp>
+      <p:sp>
+        <p:nvSpPr>
+          <p:cNvPr id="24" name="TextBox 23">
+            <a:extLst>
+              <a:ext uri="{FF2B5EF4-FFF2-40B4-BE49-F238E27FC236}">
+                <a16:creationId xmlns:a16="http://schemas.microsoft.com/office/drawing/2014/main" id="{280D2A3D-F63E-F0BF-E55D-0D052F9765D1}"/>
+              </a:ext>
+            </a:extLst>
+          </p:cNvPr>
+          <p:cNvSpPr txBox="1"/>
+          <p:nvPr/>
+        </p:nvSpPr>
+        <p:spPr>
+          <a:xfrm>
+            <a:off x="273498" y="1159821"/>
+            <a:ext cx="5722016" cy="461665"/>
+          </a:xfrm>
+          <a:prstGeom prst="rect">
+            <a:avLst/>
+          </a:prstGeom>
+          <a:noFill/>
+        </p:spPr>
+        <p:txBody>
+          <a:bodyPr wrap="none" rtlCol="0">
+            <a:spAutoFit/>
+          </a:bodyPr>
+          <a:lstStyle/>
+          <a:p>
+            <a:r>
+              <a:rPr lang="en-US" sz="2400" b="1" dirty="0"/>
+              <a:t>VSHRV</a:t>
+            </a:r>
+            <a:r>
+              <a:rPr lang="en-US" dirty="0"/>
+              <a:t> - Vector Shift Right Vector (Vector Slide Down)</a:t>
+            </a:r>
+            <a:endParaRPr lang="en-CA" dirty="0"/>
+          </a:p>
+        </p:txBody>
+      </p:sp>
+      <p:sp>
+        <p:nvSpPr>
+          <p:cNvPr id="25" name="Title 1">
+            <a:extLst>
+              <a:ext uri="{FF2B5EF4-FFF2-40B4-BE49-F238E27FC236}">
+                <a16:creationId xmlns:a16="http://schemas.microsoft.com/office/drawing/2014/main" id="{99621919-5CC8-2E83-26D2-798CC32A4914}"/>
+              </a:ext>
+            </a:extLst>
+          </p:cNvPr>
+          <p:cNvSpPr txBox="1">
+            <a:spLocks/>
+          </p:cNvSpPr>
+          <p:nvPr/>
+        </p:nvSpPr>
+        <p:spPr>
+          <a:xfrm>
+            <a:off x="129987" y="100386"/>
+            <a:ext cx="11896165" cy="957449"/>
+          </a:xfrm>
+          <a:prstGeom prst="rect">
+            <a:avLst/>
+          </a:prstGeom>
+        </p:spPr>
+        <p:txBody>
+          <a:bodyPr/>
+          <a:lstStyle>
+            <a:lvl1pPr algn="l" defTabSz="914400" rtl="0" eaLnBrk="1" latinLnBrk="0" hangingPunct="1">
+              <a:lnSpc>
+                <a:spcPct val="90000"/>
+              </a:lnSpc>
+              <a:spcBef>
+                <a:spcPct val="0"/>
+              </a:spcBef>
+              <a:buNone/>
+              <a:defRPr sz="4400" kern="1200">
+                <a:solidFill>
+                  <a:schemeClr val="tx1"/>
+                </a:solidFill>
+                <a:latin typeface="+mj-lt"/>
+                <a:ea typeface="+mj-ea"/>
+                <a:cs typeface="+mj-cs"/>
+              </a:defRPr>
+            </a:lvl1pPr>
+          </a:lstStyle>
+          <a:p>
+            <a:r>
+              <a:rPr lang="en-US"/>
+              <a:t>Qupls4 Vectors</a:t>
+            </a:r>
+            <a:endParaRPr lang="en-CA" dirty="0"/>
+          </a:p>
+        </p:txBody>
+      </p:sp>
+      <p:sp>
+        <p:nvSpPr>
+          <p:cNvPr id="26" name="TextBox 25">
+            <a:extLst>
+              <a:ext uri="{FF2B5EF4-FFF2-40B4-BE49-F238E27FC236}">
+                <a16:creationId xmlns:a16="http://schemas.microsoft.com/office/drawing/2014/main" id="{262DC98B-7FAC-5E7F-7468-88688ED7EB06}"/>
+              </a:ext>
+            </a:extLst>
+          </p:cNvPr>
+          <p:cNvSpPr txBox="1"/>
+          <p:nvPr/>
+        </p:nvSpPr>
+        <p:spPr>
+          <a:xfrm>
+            <a:off x="649357" y="1670385"/>
+            <a:ext cx="11107855" cy="923330"/>
+          </a:xfrm>
+          <a:prstGeom prst="rect">
+            <a:avLst/>
+          </a:prstGeom>
+          <a:noFill/>
+        </p:spPr>
+        <p:txBody>
+          <a:bodyPr wrap="square" rtlCol="0">
+            <a:spAutoFit/>
+          </a:bodyPr>
+          <a:lstStyle/>
+          <a:p>
+            <a:r>
+              <a:rPr lang="en-US" dirty="0"/>
+              <a:t>This instruction shifts the elements of vector downwards placing the carry out in a scalar register, and inputting</a:t>
+            </a:r>
+          </a:p>
+          <a:p>
+            <a:r>
+              <a:rPr lang="en-US" dirty="0"/>
+              <a:t>The carry in from a scalar register. This instruction may also perform a wide right shift operation, shifting by an arbitrary number of bits. To shift by elements Rs2 should be loaded with a multiple of the element size.</a:t>
+            </a:r>
+            <a:endParaRPr lang="en-CA" dirty="0"/>
+          </a:p>
+        </p:txBody>
+      </p:sp>
+      <p:sp>
+        <p:nvSpPr>
+          <p:cNvPr id="27" name="TextBox 26">
+            <a:extLst>
+              <a:ext uri="{FF2B5EF4-FFF2-40B4-BE49-F238E27FC236}">
+                <a16:creationId xmlns:a16="http://schemas.microsoft.com/office/drawing/2014/main" id="{3BE61728-DBCD-6AD6-83A6-E3F3C46AFF9E}"/>
+              </a:ext>
+            </a:extLst>
+          </p:cNvPr>
+          <p:cNvSpPr txBox="1"/>
+          <p:nvPr/>
+        </p:nvSpPr>
+        <p:spPr>
+          <a:xfrm>
+            <a:off x="3266575" y="3916239"/>
+            <a:ext cx="1364284" cy="369332"/>
+          </a:xfrm>
+          <a:prstGeom prst="rect">
+            <a:avLst/>
+          </a:prstGeom>
+          <a:noFill/>
+        </p:spPr>
+        <p:txBody>
+          <a:bodyPr wrap="none" rtlCol="0">
+            <a:spAutoFit/>
+          </a:bodyPr>
+          <a:lstStyle/>
+          <a:p>
+            <a:r>
+              <a:rPr lang="en-US" dirty="0"/>
+              <a:t>Rs1 (vector)</a:t>
+            </a:r>
+            <a:endParaRPr lang="en-CA" dirty="0"/>
+          </a:p>
+        </p:txBody>
+      </p:sp>
+      <p:sp>
+        <p:nvSpPr>
+          <p:cNvPr id="28" name="Left Brace 27">
+            <a:extLst>
+              <a:ext uri="{FF2B5EF4-FFF2-40B4-BE49-F238E27FC236}">
+                <a16:creationId xmlns:a16="http://schemas.microsoft.com/office/drawing/2014/main" id="{B8DEF494-2477-0963-A5FE-8A0A4444D5C9}"/>
+              </a:ext>
+            </a:extLst>
+          </p:cNvPr>
+          <p:cNvSpPr/>
+          <p:nvPr/>
+        </p:nvSpPr>
+        <p:spPr>
+          <a:xfrm rot="5400000">
+            <a:off x="3848196" y="2566450"/>
+            <a:ext cx="201042" cy="3621545"/>
+          </a:xfrm>
+          <a:prstGeom prst="leftBrace">
+            <a:avLst/>
+          </a:prstGeom>
+        </p:spPr>
+        <p:style>
+          <a:lnRef idx="2">
+            <a:schemeClr val="accent1"/>
+          </a:lnRef>
+          <a:fillRef idx="0">
+            <a:schemeClr val="accent1"/>
+          </a:fillRef>
+          <a:effectRef idx="1">
+            <a:schemeClr val="accent1"/>
+          </a:effectRef>
+          <a:fontRef idx="minor">
+            <a:schemeClr val="tx1"/>
+          </a:fontRef>
+        </p:style>
+        <p:txBody>
+          <a:bodyPr rtlCol="0" anchor="ctr"/>
+          <a:lstStyle/>
+          <a:p>
+            <a:pPr algn="ctr"/>
+            <a:endParaRPr lang="en-CA"/>
+          </a:p>
+        </p:txBody>
+      </p:sp>
+      <p:sp>
+        <p:nvSpPr>
+          <p:cNvPr id="29" name="TextBox 28">
+            <a:extLst>
+              <a:ext uri="{FF2B5EF4-FFF2-40B4-BE49-F238E27FC236}">
+                <a16:creationId xmlns:a16="http://schemas.microsoft.com/office/drawing/2014/main" id="{64E9ADD8-0BC9-9DA4-8EA0-9C296AA8B94C}"/>
+              </a:ext>
+            </a:extLst>
+          </p:cNvPr>
+          <p:cNvSpPr txBox="1"/>
+          <p:nvPr/>
+        </p:nvSpPr>
+        <p:spPr>
+          <a:xfrm>
+            <a:off x="992190" y="3892148"/>
+            <a:ext cx="1356718" cy="369332"/>
+          </a:xfrm>
+          <a:prstGeom prst="rect">
+            <a:avLst/>
+          </a:prstGeom>
+          <a:noFill/>
+        </p:spPr>
+        <p:txBody>
+          <a:bodyPr wrap="none" rtlCol="0">
+            <a:spAutoFit/>
+          </a:bodyPr>
+          <a:lstStyle/>
+          <a:p>
+            <a:r>
+              <a:rPr lang="en-US" dirty="0"/>
+              <a:t>Rs3 (scalar)</a:t>
+            </a:r>
+            <a:endParaRPr lang="en-CA" dirty="0"/>
+          </a:p>
+        </p:txBody>
+      </p:sp>
+      <p:sp>
+        <p:nvSpPr>
+          <p:cNvPr id="30" name="Left Brace 29">
+            <a:extLst>
+              <a:ext uri="{FF2B5EF4-FFF2-40B4-BE49-F238E27FC236}">
+                <a16:creationId xmlns:a16="http://schemas.microsoft.com/office/drawing/2014/main" id="{B9EA49EE-7660-4DB4-3990-22C030096D8C}"/>
+              </a:ext>
+            </a:extLst>
+          </p:cNvPr>
+          <p:cNvSpPr/>
+          <p:nvPr/>
+        </p:nvSpPr>
+        <p:spPr>
+          <a:xfrm rot="5400000">
+            <a:off x="1544415" y="3920022"/>
+            <a:ext cx="175332" cy="914400"/>
+          </a:xfrm>
+          <a:prstGeom prst="leftBrace">
+            <a:avLst>
+              <a:gd name="adj1" fmla="val 8333"/>
+              <a:gd name="adj2" fmla="val 49020"/>
+            </a:avLst>
+          </a:prstGeom>
+        </p:spPr>
+        <p:style>
+          <a:lnRef idx="2">
+            <a:schemeClr val="accent1"/>
+          </a:lnRef>
+          <a:fillRef idx="0">
+            <a:schemeClr val="accent1"/>
+          </a:fillRef>
+          <a:effectRef idx="1">
+            <a:schemeClr val="accent1"/>
+          </a:effectRef>
+          <a:fontRef idx="minor">
+            <a:schemeClr val="tx1"/>
+          </a:fontRef>
+        </p:style>
+        <p:txBody>
+          <a:bodyPr rtlCol="0" anchor="ctr"/>
+          <a:lstStyle/>
+          <a:p>
+            <a:pPr algn="ctr"/>
+            <a:endParaRPr lang="en-CA"/>
+          </a:p>
+        </p:txBody>
+      </p:sp>
+      <p:sp>
+        <p:nvSpPr>
+          <p:cNvPr id="33" name="Left Brace 32">
+            <a:extLst>
+              <a:ext uri="{FF2B5EF4-FFF2-40B4-BE49-F238E27FC236}">
+                <a16:creationId xmlns:a16="http://schemas.microsoft.com/office/drawing/2014/main" id="{4DF76EC5-EA41-5165-3F33-68C42F568814}"/>
+              </a:ext>
+            </a:extLst>
+          </p:cNvPr>
+          <p:cNvSpPr/>
+          <p:nvPr/>
+        </p:nvSpPr>
+        <p:spPr>
+          <a:xfrm rot="16200000">
+            <a:off x="2921186" y="4009768"/>
+            <a:ext cx="201042" cy="3621545"/>
+          </a:xfrm>
+          <a:prstGeom prst="leftBrace">
+            <a:avLst/>
+          </a:prstGeom>
+        </p:spPr>
+        <p:style>
+          <a:lnRef idx="2">
+            <a:schemeClr val="accent1"/>
+          </a:lnRef>
+          <a:fillRef idx="0">
+            <a:schemeClr val="accent1"/>
+          </a:fillRef>
+          <a:effectRef idx="1">
+            <a:schemeClr val="accent1"/>
+          </a:effectRef>
+          <a:fontRef idx="minor">
+            <a:schemeClr val="tx1"/>
+          </a:fontRef>
+        </p:style>
+        <p:txBody>
+          <a:bodyPr rtlCol="0" anchor="ctr"/>
+          <a:lstStyle/>
+          <a:p>
+            <a:pPr algn="ctr"/>
+            <a:endParaRPr lang="en-CA"/>
+          </a:p>
+        </p:txBody>
+      </p:sp>
+      <p:sp>
+        <p:nvSpPr>
+          <p:cNvPr id="34" name="TextBox 33">
+            <a:extLst>
+              <a:ext uri="{FF2B5EF4-FFF2-40B4-BE49-F238E27FC236}">
+                <a16:creationId xmlns:a16="http://schemas.microsoft.com/office/drawing/2014/main" id="{A4018FD3-15CE-A4B1-3B79-9E15C806C8E8}"/>
+              </a:ext>
+            </a:extLst>
+          </p:cNvPr>
+          <p:cNvSpPr txBox="1"/>
+          <p:nvPr/>
+        </p:nvSpPr>
+        <p:spPr>
+          <a:xfrm>
+            <a:off x="2411681" y="5871499"/>
+            <a:ext cx="1258486" cy="369332"/>
+          </a:xfrm>
+          <a:prstGeom prst="rect">
+            <a:avLst/>
+          </a:prstGeom>
+          <a:noFill/>
+        </p:spPr>
+        <p:txBody>
+          <a:bodyPr wrap="none" rtlCol="0">
+            <a:spAutoFit/>
+          </a:bodyPr>
+          <a:lstStyle/>
+          <a:p>
+            <a:r>
+              <a:rPr lang="en-US" dirty="0"/>
+              <a:t>Rd (vector)</a:t>
+            </a:r>
+            <a:endParaRPr lang="en-CA" dirty="0"/>
+          </a:p>
+        </p:txBody>
+      </p:sp>
+      <p:sp>
+        <p:nvSpPr>
+          <p:cNvPr id="35" name="Left Brace 34">
+            <a:extLst>
+              <a:ext uri="{FF2B5EF4-FFF2-40B4-BE49-F238E27FC236}">
+                <a16:creationId xmlns:a16="http://schemas.microsoft.com/office/drawing/2014/main" id="{2063F728-3E9E-0AB0-FA7C-13721BF1B048}"/>
+              </a:ext>
+            </a:extLst>
+          </p:cNvPr>
+          <p:cNvSpPr/>
+          <p:nvPr/>
+        </p:nvSpPr>
+        <p:spPr>
+          <a:xfrm rot="16200000">
+            <a:off x="5215267" y="5350485"/>
+            <a:ext cx="175332" cy="914400"/>
+          </a:xfrm>
+          <a:prstGeom prst="leftBrace">
+            <a:avLst>
+              <a:gd name="adj1" fmla="val 8333"/>
+              <a:gd name="adj2" fmla="val 49020"/>
+            </a:avLst>
+          </a:prstGeom>
+        </p:spPr>
+        <p:style>
+          <a:lnRef idx="2">
+            <a:schemeClr val="accent1"/>
+          </a:lnRef>
+          <a:fillRef idx="0">
+            <a:schemeClr val="accent1"/>
+          </a:fillRef>
+          <a:effectRef idx="1">
+            <a:schemeClr val="accent1"/>
+          </a:effectRef>
+          <a:fontRef idx="minor">
+            <a:schemeClr val="tx1"/>
+          </a:fontRef>
+        </p:style>
+        <p:txBody>
+          <a:bodyPr rtlCol="0" anchor="ctr"/>
+          <a:lstStyle/>
+          <a:p>
+            <a:pPr algn="ctr"/>
+            <a:endParaRPr lang="en-CA"/>
+          </a:p>
+        </p:txBody>
+      </p:sp>
+      <p:sp>
+        <p:nvSpPr>
+          <p:cNvPr id="36" name="TextBox 35">
+            <a:extLst>
+              <a:ext uri="{FF2B5EF4-FFF2-40B4-BE49-F238E27FC236}">
+                <a16:creationId xmlns:a16="http://schemas.microsoft.com/office/drawing/2014/main" id="{5E9124A6-D89A-7781-4F79-EDFFFDB7F29E}"/>
+              </a:ext>
+            </a:extLst>
+          </p:cNvPr>
+          <p:cNvSpPr txBox="1"/>
+          <p:nvPr/>
+        </p:nvSpPr>
+        <p:spPr>
+          <a:xfrm>
+            <a:off x="4657720" y="5856278"/>
+            <a:ext cx="1374351" cy="369332"/>
+          </a:xfrm>
+          <a:prstGeom prst="rect">
+            <a:avLst/>
+          </a:prstGeom>
+          <a:noFill/>
+        </p:spPr>
+        <p:txBody>
+          <a:bodyPr wrap="none" rtlCol="0">
+            <a:spAutoFit/>
+          </a:bodyPr>
+          <a:lstStyle/>
+          <a:p>
+            <a:r>
+              <a:rPr lang="en-US" dirty="0"/>
+              <a:t>Rd2 (scalar)</a:t>
+            </a:r>
+            <a:endParaRPr lang="en-CA" dirty="0"/>
+          </a:p>
+        </p:txBody>
+      </p:sp>
+      <p:sp>
+        <p:nvSpPr>
+          <p:cNvPr id="38" name="TextBox 37">
+            <a:extLst>
+              <a:ext uri="{FF2B5EF4-FFF2-40B4-BE49-F238E27FC236}">
+                <a16:creationId xmlns:a16="http://schemas.microsoft.com/office/drawing/2014/main" id="{F426BF1C-2F1F-DCC9-C988-B30E03CD920C}"/>
+              </a:ext>
+            </a:extLst>
+          </p:cNvPr>
+          <p:cNvSpPr txBox="1"/>
+          <p:nvPr/>
+        </p:nvSpPr>
+        <p:spPr>
+          <a:xfrm>
+            <a:off x="215153" y="2803069"/>
+            <a:ext cx="2095510" cy="369332"/>
+          </a:xfrm>
+          <a:prstGeom prst="rect">
+            <a:avLst/>
+          </a:prstGeom>
+          <a:noFill/>
+        </p:spPr>
+        <p:txBody>
+          <a:bodyPr wrap="none" rtlCol="0">
+            <a:spAutoFit/>
+          </a:bodyPr>
+          <a:lstStyle/>
+          <a:p>
+            <a:r>
+              <a:rPr lang="en-US" dirty="0"/>
+              <a:t>Instruction Format:</a:t>
+            </a:r>
+            <a:endParaRPr lang="en-CA" dirty="0"/>
+          </a:p>
+        </p:txBody>
+      </p:sp>
+      <p:graphicFrame>
+        <p:nvGraphicFramePr>
+          <p:cNvPr id="13" name="Object 12">
+            <a:extLst>
+              <a:ext uri="{FF2B5EF4-FFF2-40B4-BE49-F238E27FC236}">
+                <a16:creationId xmlns:a16="http://schemas.microsoft.com/office/drawing/2014/main" id="{6A8053A9-131F-3005-ABDF-F5847E3FCD47}"/>
+              </a:ext>
+            </a:extLst>
+          </p:cNvPr>
+          <p:cNvGraphicFramePr>
+            <a:graphicFrameLocks noChangeAspect="1"/>
+          </p:cNvGraphicFramePr>
+          <p:nvPr>
+            <p:extLst>
+              <p:ext uri="{D42A27DB-BD31-4B8C-83A1-F6EECF244321}">
+                <p14:modId xmlns:p14="http://schemas.microsoft.com/office/powerpoint/2010/main" val="2309454763"/>
+              </p:ext>
+            </p:extLst>
+          </p:nvPr>
+        </p:nvGraphicFramePr>
+        <p:xfrm>
+          <a:off x="762484" y="3235801"/>
+          <a:ext cx="5940425" cy="768350"/>
+        </p:xfrm>
+        <a:graphic>
+          <a:graphicData uri="http://schemas.openxmlformats.org/presentationml/2006/ole">
+            <mc:AlternateContent xmlns:mc="http://schemas.openxmlformats.org/markup-compatibility/2006">
+              <mc:Choice xmlns:v="urn:schemas-microsoft-com:vml" Requires="v">
+                <p:oleObj name="Document" r:id="rId2" imgW="5940848" imgH="767899" progId="Word.Document.12">
+                  <p:embed/>
+                </p:oleObj>
+              </mc:Choice>
+              <mc:Fallback>
+                <p:oleObj name="Document" r:id="rId2" imgW="5940848" imgH="767899" progId="Word.Document.12">
+                  <p:embed/>
+                  <p:pic>
+                    <p:nvPicPr>
+                      <p:cNvPr id="13" name="Object 12">
+                        <a:extLst>
+                          <a:ext uri="{FF2B5EF4-FFF2-40B4-BE49-F238E27FC236}">
+                            <a16:creationId xmlns:a16="http://schemas.microsoft.com/office/drawing/2014/main" id="{6A8053A9-131F-3005-ABDF-F5847E3FCD47}"/>
+                          </a:ext>
+                        </a:extLst>
+                      </p:cNvPr>
+                      <p:cNvPicPr/>
+                      <p:nvPr/>
+                    </p:nvPicPr>
+                    <p:blipFill>
+                      <a:blip r:embed="rId3"/>
+                      <a:stretch>
+                        <a:fillRect/>
+                      </a:stretch>
+                    </p:blipFill>
+                    <p:spPr>
+                      <a:xfrm>
+                        <a:off x="762484" y="3235801"/>
+                        <a:ext cx="5940425" cy="768350"/>
+                      </a:xfrm>
+                      <a:prstGeom prst="rect">
+                        <a:avLst/>
+                      </a:prstGeom>
+                    </p:spPr>
+                  </p:pic>
+                </p:oleObj>
+              </mc:Fallback>
+            </mc:AlternateContent>
+          </a:graphicData>
+        </a:graphic>
+      </p:graphicFrame>
+    </p:spTree>
+    <p:extLst>
+      <p:ext uri="{BB962C8B-B14F-4D97-AF65-F5344CB8AC3E}">
+        <p14:creationId xmlns:p14="http://schemas.microsoft.com/office/powerpoint/2010/main" val="2158676314"/>
       </p:ext>
     </p:extLst>
   </p:cSld>
